--- a/docs/抽奖素材.pptx
+++ b/docs/抽奖素材.pptx
@@ -4,10 +4,14 @@
   <p:sldMasterIdLst>
     <p:sldMasterId id="2147483648" r:id="rId1"/>
   </p:sldMasterIdLst>
+  <p:notesMasterIdLst>
+    <p:notesMasterId r:id="rId6"/>
+  </p:notesMasterIdLst>
   <p:sldIdLst>
     <p:sldId id="256" r:id="rId2"/>
     <p:sldId id="257" r:id="rId3"/>
     <p:sldId id="258" r:id="rId4"/>
+    <p:sldId id="259" r:id="rId5"/>
   </p:sldIdLst>
   <p:sldSz cx="12192000" cy="6858000"/>
   <p:notesSz cx="6858000" cy="9144000"/>
@@ -106,7 +110,445 @@
       </a:defRPr>
     </a:lvl9pPr>
   </p:defaultTextStyle>
+  <p:extLst>
+    <p:ext uri="{EFAFB233-063F-42B5-8137-9DF3F51BA10A}">
+      <p15:sldGuideLst xmlns:p15="http://schemas.microsoft.com/office/powerpoint/2012/main"/>
+    </p:ext>
+  </p:extLst>
 </p:presentation>
+</file>
+
+<file path=ppt/notesMasters/notesMaster1.xml><?xml version="1.0" encoding="utf-8"?>
+<p:notesMaster xmlns:a="http://schemas.openxmlformats.org/drawingml/2006/main" xmlns:r="http://schemas.openxmlformats.org/officeDocument/2006/relationships" xmlns:p="http://schemas.openxmlformats.org/presentationml/2006/main">
+  <p:cSld>
+    <p:bg>
+      <p:bgRef idx="1001">
+        <a:schemeClr val="bg1"/>
+      </p:bgRef>
+    </p:bg>
+    <p:spTree>
+      <p:nvGrpSpPr>
+        <p:cNvPr id="1" name=""/>
+        <p:cNvGrpSpPr/>
+        <p:nvPr/>
+      </p:nvGrpSpPr>
+      <p:grpSpPr>
+        <a:xfrm>
+          <a:off x="0" y="0"/>
+          <a:ext cx="0" cy="0"/>
+          <a:chOff x="0" y="0"/>
+          <a:chExt cx="0" cy="0"/>
+        </a:xfrm>
+      </p:grpSpPr>
+      <p:sp>
+        <p:nvSpPr>
+          <p:cNvPr id="2" name="页眉占位符 1"/>
+          <p:cNvSpPr>
+            <a:spLocks noGrp="1"/>
+          </p:cNvSpPr>
+          <p:nvPr>
+            <p:ph type="hdr" sz="quarter"/>
+          </p:nvPr>
+        </p:nvSpPr>
+        <p:spPr>
+          <a:xfrm>
+            <a:off x="0" y="0"/>
+            <a:ext cx="2971800" cy="458788"/>
+          </a:xfrm>
+          <a:prstGeom prst="rect">
+            <a:avLst/>
+          </a:prstGeom>
+        </p:spPr>
+        <p:txBody>
+          <a:bodyPr vert="horz" lIns="91440" tIns="45720" rIns="91440" bIns="45720" rtlCol="0"/>
+          <a:lstStyle>
+            <a:lvl1pPr algn="l">
+              <a:defRPr sz="1200"/>
+            </a:lvl1pPr>
+          </a:lstStyle>
+          <a:p>
+            <a:endParaRPr kumimoji="1" lang="zh-CN" altLang="en-US"/>
+          </a:p>
+        </p:txBody>
+      </p:sp>
+      <p:sp>
+        <p:nvSpPr>
+          <p:cNvPr id="3" name="日期占位符 2"/>
+          <p:cNvSpPr>
+            <a:spLocks noGrp="1"/>
+          </p:cNvSpPr>
+          <p:nvPr>
+            <p:ph type="dt" idx="1"/>
+          </p:nvPr>
+        </p:nvSpPr>
+        <p:spPr>
+          <a:xfrm>
+            <a:off x="3884613" y="0"/>
+            <a:ext cx="2971800" cy="458788"/>
+          </a:xfrm>
+          <a:prstGeom prst="rect">
+            <a:avLst/>
+          </a:prstGeom>
+        </p:spPr>
+        <p:txBody>
+          <a:bodyPr vert="horz" lIns="91440" tIns="45720" rIns="91440" bIns="45720" rtlCol="0"/>
+          <a:lstStyle>
+            <a:lvl1pPr algn="r">
+              <a:defRPr sz="1200"/>
+            </a:lvl1pPr>
+          </a:lstStyle>
+          <a:p>
+            <a:fld id="{192E4B07-7E1E-6A40-9D1B-AB3F940E500F}" type="datetimeFigureOut">
+              <a:rPr kumimoji="1" lang="zh-CN" altLang="en-US" smtClean="0"/>
+              <a:t>2024/5/3</a:t>
+            </a:fld>
+            <a:endParaRPr kumimoji="1" lang="zh-CN" altLang="en-US"/>
+          </a:p>
+        </p:txBody>
+      </p:sp>
+      <p:sp>
+        <p:nvSpPr>
+          <p:cNvPr id="4" name="幻灯片图像占位符 3"/>
+          <p:cNvSpPr>
+            <a:spLocks noGrp="1" noRot="1" noChangeAspect="1"/>
+          </p:cNvSpPr>
+          <p:nvPr>
+            <p:ph type="sldImg" idx="2"/>
+          </p:nvPr>
+        </p:nvSpPr>
+        <p:spPr>
+          <a:xfrm>
+            <a:off x="685800" y="1143000"/>
+            <a:ext cx="5486400" cy="3086100"/>
+          </a:xfrm>
+          <a:prstGeom prst="rect">
+            <a:avLst/>
+          </a:prstGeom>
+          <a:noFill/>
+          <a:ln w="12700">
+            <a:solidFill>
+              <a:prstClr val="black"/>
+            </a:solidFill>
+          </a:ln>
+        </p:spPr>
+        <p:txBody>
+          <a:bodyPr vert="horz" lIns="91440" tIns="45720" rIns="91440" bIns="45720" rtlCol="0" anchor="ctr"/>
+          <a:lstStyle/>
+          <a:p>
+            <a:endParaRPr lang="zh-CN" altLang="en-US"/>
+          </a:p>
+        </p:txBody>
+      </p:sp>
+      <p:sp>
+        <p:nvSpPr>
+          <p:cNvPr id="5" name="备注占位符 4"/>
+          <p:cNvSpPr>
+            <a:spLocks noGrp="1"/>
+          </p:cNvSpPr>
+          <p:nvPr>
+            <p:ph type="body" sz="quarter" idx="3"/>
+          </p:nvPr>
+        </p:nvSpPr>
+        <p:spPr>
+          <a:xfrm>
+            <a:off x="685800" y="4400550"/>
+            <a:ext cx="5486400" cy="3600450"/>
+          </a:xfrm>
+          <a:prstGeom prst="rect">
+            <a:avLst/>
+          </a:prstGeom>
+        </p:spPr>
+        <p:txBody>
+          <a:bodyPr vert="horz" lIns="91440" tIns="45720" rIns="91440" bIns="45720" rtlCol="0"/>
+          <a:lstStyle/>
+          <a:p>
+            <a:pPr lvl="0"/>
+            <a:r>
+              <a:rPr kumimoji="1" lang="zh-CN" altLang="en-US"/>
+              <a:t>单击此处编辑母版文本样式</a:t>
+            </a:r>
+          </a:p>
+          <a:p>
+            <a:pPr lvl="1"/>
+            <a:r>
+              <a:rPr kumimoji="1" lang="zh-CN" altLang="en-US"/>
+              <a:t>二级</a:t>
+            </a:r>
+          </a:p>
+          <a:p>
+            <a:pPr lvl="2"/>
+            <a:r>
+              <a:rPr kumimoji="1" lang="zh-CN" altLang="en-US"/>
+              <a:t>三级</a:t>
+            </a:r>
+          </a:p>
+          <a:p>
+            <a:pPr lvl="3"/>
+            <a:r>
+              <a:rPr kumimoji="1" lang="zh-CN" altLang="en-US"/>
+              <a:t>四级</a:t>
+            </a:r>
+          </a:p>
+          <a:p>
+            <a:pPr lvl="4"/>
+            <a:r>
+              <a:rPr kumimoji="1" lang="zh-CN" altLang="en-US"/>
+              <a:t>五级</a:t>
+            </a:r>
+          </a:p>
+        </p:txBody>
+      </p:sp>
+      <p:sp>
+        <p:nvSpPr>
+          <p:cNvPr id="6" name="页脚占位符 5"/>
+          <p:cNvSpPr>
+            <a:spLocks noGrp="1"/>
+          </p:cNvSpPr>
+          <p:nvPr>
+            <p:ph type="ftr" sz="quarter" idx="4"/>
+          </p:nvPr>
+        </p:nvSpPr>
+        <p:spPr>
+          <a:xfrm>
+            <a:off x="0" y="8685213"/>
+            <a:ext cx="2971800" cy="458787"/>
+          </a:xfrm>
+          <a:prstGeom prst="rect">
+            <a:avLst/>
+          </a:prstGeom>
+        </p:spPr>
+        <p:txBody>
+          <a:bodyPr vert="horz" lIns="91440" tIns="45720" rIns="91440" bIns="45720" rtlCol="0" anchor="b"/>
+          <a:lstStyle>
+            <a:lvl1pPr algn="l">
+              <a:defRPr sz="1200"/>
+            </a:lvl1pPr>
+          </a:lstStyle>
+          <a:p>
+            <a:endParaRPr kumimoji="1" lang="zh-CN" altLang="en-US"/>
+          </a:p>
+        </p:txBody>
+      </p:sp>
+      <p:sp>
+        <p:nvSpPr>
+          <p:cNvPr id="7" name="灯片编号占位符 6"/>
+          <p:cNvSpPr>
+            <a:spLocks noGrp="1"/>
+          </p:cNvSpPr>
+          <p:nvPr>
+            <p:ph type="sldNum" sz="quarter" idx="5"/>
+          </p:nvPr>
+        </p:nvSpPr>
+        <p:spPr>
+          <a:xfrm>
+            <a:off x="3884613" y="8685213"/>
+            <a:ext cx="2971800" cy="458787"/>
+          </a:xfrm>
+          <a:prstGeom prst="rect">
+            <a:avLst/>
+          </a:prstGeom>
+        </p:spPr>
+        <p:txBody>
+          <a:bodyPr vert="horz" lIns="91440" tIns="45720" rIns="91440" bIns="45720" rtlCol="0" anchor="b"/>
+          <a:lstStyle>
+            <a:lvl1pPr algn="r">
+              <a:defRPr sz="1200"/>
+            </a:lvl1pPr>
+          </a:lstStyle>
+          <a:p>
+            <a:fld id="{53FEC795-0969-DD4B-A464-4FF31AC68B30}" type="slidenum">
+              <a:rPr kumimoji="1" lang="zh-CN" altLang="en-US" smtClean="0"/>
+              <a:t>‹#›</a:t>
+            </a:fld>
+            <a:endParaRPr kumimoji="1" lang="zh-CN" altLang="en-US"/>
+          </a:p>
+        </p:txBody>
+      </p:sp>
+    </p:spTree>
+    <p:extLst>
+      <p:ext uri="{BB962C8B-B14F-4D97-AF65-F5344CB8AC3E}">
+        <p14:creationId xmlns:p14="http://schemas.microsoft.com/office/powerpoint/2010/main" val="2914117122"/>
+      </p:ext>
+    </p:extLst>
+  </p:cSld>
+  <p:clrMap bg1="lt1" tx1="dk1" bg2="lt2" tx2="dk2" accent1="accent1" accent2="accent2" accent3="accent3" accent4="accent4" accent5="accent5" accent6="accent6" hlink="hlink" folHlink="folHlink"/>
+  <p:notesStyle>
+    <a:lvl1pPr marL="0" algn="l" defTabSz="914400" rtl="0" eaLnBrk="1" latinLnBrk="0" hangingPunct="1">
+      <a:defRPr sz="1200" kern="1200">
+        <a:solidFill>
+          <a:schemeClr val="tx1"/>
+        </a:solidFill>
+        <a:latin typeface="+mn-lt"/>
+        <a:ea typeface="+mn-ea"/>
+        <a:cs typeface="+mn-cs"/>
+      </a:defRPr>
+    </a:lvl1pPr>
+    <a:lvl2pPr marL="457200" algn="l" defTabSz="914400" rtl="0" eaLnBrk="1" latinLnBrk="0" hangingPunct="1">
+      <a:defRPr sz="1200" kern="1200">
+        <a:solidFill>
+          <a:schemeClr val="tx1"/>
+        </a:solidFill>
+        <a:latin typeface="+mn-lt"/>
+        <a:ea typeface="+mn-ea"/>
+        <a:cs typeface="+mn-cs"/>
+      </a:defRPr>
+    </a:lvl2pPr>
+    <a:lvl3pPr marL="914400" algn="l" defTabSz="914400" rtl="0" eaLnBrk="1" latinLnBrk="0" hangingPunct="1">
+      <a:defRPr sz="1200" kern="1200">
+        <a:solidFill>
+          <a:schemeClr val="tx1"/>
+        </a:solidFill>
+        <a:latin typeface="+mn-lt"/>
+        <a:ea typeface="+mn-ea"/>
+        <a:cs typeface="+mn-cs"/>
+      </a:defRPr>
+    </a:lvl3pPr>
+    <a:lvl4pPr marL="1371600" algn="l" defTabSz="914400" rtl="0" eaLnBrk="1" latinLnBrk="0" hangingPunct="1">
+      <a:defRPr sz="1200" kern="1200">
+        <a:solidFill>
+          <a:schemeClr val="tx1"/>
+        </a:solidFill>
+        <a:latin typeface="+mn-lt"/>
+        <a:ea typeface="+mn-ea"/>
+        <a:cs typeface="+mn-cs"/>
+      </a:defRPr>
+    </a:lvl4pPr>
+    <a:lvl5pPr marL="1828800" algn="l" defTabSz="914400" rtl="0" eaLnBrk="1" latinLnBrk="0" hangingPunct="1">
+      <a:defRPr sz="1200" kern="1200">
+        <a:solidFill>
+          <a:schemeClr val="tx1"/>
+        </a:solidFill>
+        <a:latin typeface="+mn-lt"/>
+        <a:ea typeface="+mn-ea"/>
+        <a:cs typeface="+mn-cs"/>
+      </a:defRPr>
+    </a:lvl5pPr>
+    <a:lvl6pPr marL="2286000" algn="l" defTabSz="914400" rtl="0" eaLnBrk="1" latinLnBrk="0" hangingPunct="1">
+      <a:defRPr sz="1200" kern="1200">
+        <a:solidFill>
+          <a:schemeClr val="tx1"/>
+        </a:solidFill>
+        <a:latin typeface="+mn-lt"/>
+        <a:ea typeface="+mn-ea"/>
+        <a:cs typeface="+mn-cs"/>
+      </a:defRPr>
+    </a:lvl6pPr>
+    <a:lvl7pPr marL="2743200" algn="l" defTabSz="914400" rtl="0" eaLnBrk="1" latinLnBrk="0" hangingPunct="1">
+      <a:defRPr sz="1200" kern="1200">
+        <a:solidFill>
+          <a:schemeClr val="tx1"/>
+        </a:solidFill>
+        <a:latin typeface="+mn-lt"/>
+        <a:ea typeface="+mn-ea"/>
+        <a:cs typeface="+mn-cs"/>
+      </a:defRPr>
+    </a:lvl7pPr>
+    <a:lvl8pPr marL="3200400" algn="l" defTabSz="914400" rtl="0" eaLnBrk="1" latinLnBrk="0" hangingPunct="1">
+      <a:defRPr sz="1200" kern="1200">
+        <a:solidFill>
+          <a:schemeClr val="tx1"/>
+        </a:solidFill>
+        <a:latin typeface="+mn-lt"/>
+        <a:ea typeface="+mn-ea"/>
+        <a:cs typeface="+mn-cs"/>
+      </a:defRPr>
+    </a:lvl8pPr>
+    <a:lvl9pPr marL="3657600" algn="l" defTabSz="914400" rtl="0" eaLnBrk="1" latinLnBrk="0" hangingPunct="1">
+      <a:defRPr sz="1200" kern="1200">
+        <a:solidFill>
+          <a:schemeClr val="tx1"/>
+        </a:solidFill>
+        <a:latin typeface="+mn-lt"/>
+        <a:ea typeface="+mn-ea"/>
+        <a:cs typeface="+mn-cs"/>
+      </a:defRPr>
+    </a:lvl9pPr>
+  </p:notesStyle>
+</p:notesMaster>
+</file>
+
+<file path=ppt/notesSlides/notesSlide1.xml><?xml version="1.0" encoding="utf-8"?>
+<p:notes xmlns:a="http://schemas.openxmlformats.org/drawingml/2006/main" xmlns:r="http://schemas.openxmlformats.org/officeDocument/2006/relationships" xmlns:p="http://schemas.openxmlformats.org/presentationml/2006/main">
+  <p:cSld>
+    <p:spTree>
+      <p:nvGrpSpPr>
+        <p:cNvPr id="1" name=""/>
+        <p:cNvGrpSpPr/>
+        <p:nvPr/>
+      </p:nvGrpSpPr>
+      <p:grpSpPr>
+        <a:xfrm>
+          <a:off x="0" y="0"/>
+          <a:ext cx="0" cy="0"/>
+          <a:chOff x="0" y="0"/>
+          <a:chExt cx="0" cy="0"/>
+        </a:xfrm>
+      </p:grpSpPr>
+      <p:sp>
+        <p:nvSpPr>
+          <p:cNvPr id="2" name="幻灯片图像占位符 1"/>
+          <p:cNvSpPr>
+            <a:spLocks noGrp="1" noRot="1" noChangeAspect="1"/>
+          </p:cNvSpPr>
+          <p:nvPr>
+            <p:ph type="sldImg"/>
+          </p:nvPr>
+        </p:nvSpPr>
+        <p:spPr/>
+      </p:sp>
+      <p:sp>
+        <p:nvSpPr>
+          <p:cNvPr id="3" name="备注占位符 2"/>
+          <p:cNvSpPr>
+            <a:spLocks noGrp="1"/>
+          </p:cNvSpPr>
+          <p:nvPr>
+            <p:ph type="body" idx="1"/>
+          </p:nvPr>
+        </p:nvSpPr>
+        <p:spPr/>
+        <p:txBody>
+          <a:bodyPr/>
+          <a:lstStyle/>
+          <a:p>
+            <a:endParaRPr kumimoji="1" lang="zh-CN" altLang="en-US" dirty="0"/>
+          </a:p>
+        </p:txBody>
+      </p:sp>
+      <p:sp>
+        <p:nvSpPr>
+          <p:cNvPr id="4" name="灯片编号占位符 3"/>
+          <p:cNvSpPr>
+            <a:spLocks noGrp="1"/>
+          </p:cNvSpPr>
+          <p:nvPr>
+            <p:ph type="sldNum" sz="quarter" idx="5"/>
+          </p:nvPr>
+        </p:nvSpPr>
+        <p:spPr/>
+        <p:txBody>
+          <a:bodyPr/>
+          <a:lstStyle/>
+          <a:p>
+            <a:fld id="{53FEC795-0969-DD4B-A464-4FF31AC68B30}" type="slidenum">
+              <a:rPr kumimoji="1" lang="zh-CN" altLang="en-US" smtClean="0"/>
+              <a:t>4</a:t>
+            </a:fld>
+            <a:endParaRPr kumimoji="1" lang="zh-CN" altLang="en-US"/>
+          </a:p>
+        </p:txBody>
+      </p:sp>
+    </p:spTree>
+    <p:extLst>
+      <p:ext uri="{BB962C8B-B14F-4D97-AF65-F5344CB8AC3E}">
+        <p14:creationId xmlns:p14="http://schemas.microsoft.com/office/powerpoint/2010/main" val="1599000083"/>
+      </p:ext>
+    </p:extLst>
+  </p:cSld>
+  <p:clrMapOvr>
+    <a:masterClrMapping/>
+  </p:clrMapOvr>
+</p:notes>
 </file>
 
 <file path=ppt/slideLayouts/slideLayout1.xml><?xml version="1.0" encoding="utf-8"?>
@@ -256,7 +698,7 @@
           <a:p>
             <a:fld id="{BA2C7DDC-1EE7-FA4E-B1E1-4D38BF51E6AB}" type="datetimeFigureOut">
               <a:rPr kumimoji="1" lang="zh-CN" altLang="en-US" smtClean="0"/>
-              <a:t>2024/4/27</a:t>
+              <a:t>2024/5/3</a:t>
             </a:fld>
             <a:endParaRPr kumimoji="1" lang="zh-CN" altLang="en-US"/>
           </a:p>
@@ -454,7 +896,7 @@
           <a:p>
             <a:fld id="{BA2C7DDC-1EE7-FA4E-B1E1-4D38BF51E6AB}" type="datetimeFigureOut">
               <a:rPr kumimoji="1" lang="zh-CN" altLang="en-US" smtClean="0"/>
-              <a:t>2024/4/27</a:t>
+              <a:t>2024/5/3</a:t>
             </a:fld>
             <a:endParaRPr kumimoji="1" lang="zh-CN" altLang="en-US"/>
           </a:p>
@@ -662,7 +1104,7 @@
           <a:p>
             <a:fld id="{BA2C7DDC-1EE7-FA4E-B1E1-4D38BF51E6AB}" type="datetimeFigureOut">
               <a:rPr kumimoji="1" lang="zh-CN" altLang="en-US" smtClean="0"/>
-              <a:t>2024/4/27</a:t>
+              <a:t>2024/5/3</a:t>
             </a:fld>
             <a:endParaRPr kumimoji="1" lang="zh-CN" altLang="en-US"/>
           </a:p>
@@ -860,7 +1302,7 @@
           <a:p>
             <a:fld id="{BA2C7DDC-1EE7-FA4E-B1E1-4D38BF51E6AB}" type="datetimeFigureOut">
               <a:rPr kumimoji="1" lang="zh-CN" altLang="en-US" smtClean="0"/>
-              <a:t>2024/4/27</a:t>
+              <a:t>2024/5/3</a:t>
             </a:fld>
             <a:endParaRPr kumimoji="1" lang="zh-CN" altLang="en-US"/>
           </a:p>
@@ -1135,7 +1577,7 @@
           <a:p>
             <a:fld id="{BA2C7DDC-1EE7-FA4E-B1E1-4D38BF51E6AB}" type="datetimeFigureOut">
               <a:rPr kumimoji="1" lang="zh-CN" altLang="en-US" smtClean="0"/>
-              <a:t>2024/4/27</a:t>
+              <a:t>2024/5/3</a:t>
             </a:fld>
             <a:endParaRPr kumimoji="1" lang="zh-CN" altLang="en-US"/>
           </a:p>
@@ -1400,7 +1842,7 @@
           <a:p>
             <a:fld id="{BA2C7DDC-1EE7-FA4E-B1E1-4D38BF51E6AB}" type="datetimeFigureOut">
               <a:rPr kumimoji="1" lang="zh-CN" altLang="en-US" smtClean="0"/>
-              <a:t>2024/4/27</a:t>
+              <a:t>2024/5/3</a:t>
             </a:fld>
             <a:endParaRPr kumimoji="1" lang="zh-CN" altLang="en-US"/>
           </a:p>
@@ -1812,7 +2254,7 @@
           <a:p>
             <a:fld id="{BA2C7DDC-1EE7-FA4E-B1E1-4D38BF51E6AB}" type="datetimeFigureOut">
               <a:rPr kumimoji="1" lang="zh-CN" altLang="en-US" smtClean="0"/>
-              <a:t>2024/4/27</a:t>
+              <a:t>2024/5/3</a:t>
             </a:fld>
             <a:endParaRPr kumimoji="1" lang="zh-CN" altLang="en-US"/>
           </a:p>
@@ -1953,7 +2395,7 @@
           <a:p>
             <a:fld id="{BA2C7DDC-1EE7-FA4E-B1E1-4D38BF51E6AB}" type="datetimeFigureOut">
               <a:rPr kumimoji="1" lang="zh-CN" altLang="en-US" smtClean="0"/>
-              <a:t>2024/4/27</a:t>
+              <a:t>2024/5/3</a:t>
             </a:fld>
             <a:endParaRPr kumimoji="1" lang="zh-CN" altLang="en-US"/>
           </a:p>
@@ -2066,7 +2508,7 @@
           <a:p>
             <a:fld id="{BA2C7DDC-1EE7-FA4E-B1E1-4D38BF51E6AB}" type="datetimeFigureOut">
               <a:rPr kumimoji="1" lang="zh-CN" altLang="en-US" smtClean="0"/>
-              <a:t>2024/4/27</a:t>
+              <a:t>2024/5/3</a:t>
             </a:fld>
             <a:endParaRPr kumimoji="1" lang="zh-CN" altLang="en-US"/>
           </a:p>
@@ -2377,7 +2819,7 @@
           <a:p>
             <a:fld id="{BA2C7DDC-1EE7-FA4E-B1E1-4D38BF51E6AB}" type="datetimeFigureOut">
               <a:rPr kumimoji="1" lang="zh-CN" altLang="en-US" smtClean="0"/>
-              <a:t>2024/4/27</a:t>
+              <a:t>2024/5/3</a:t>
             </a:fld>
             <a:endParaRPr kumimoji="1" lang="zh-CN" altLang="en-US"/>
           </a:p>
@@ -2665,7 +3107,7 @@
           <a:p>
             <a:fld id="{BA2C7DDC-1EE7-FA4E-B1E1-4D38BF51E6AB}" type="datetimeFigureOut">
               <a:rPr kumimoji="1" lang="zh-CN" altLang="en-US" smtClean="0"/>
-              <a:t>2024/4/27</a:t>
+              <a:t>2024/5/3</a:t>
             </a:fld>
             <a:endParaRPr kumimoji="1" lang="zh-CN" altLang="en-US"/>
           </a:p>
@@ -2906,7 +3348,7 @@
           <a:p>
             <a:fld id="{BA2C7DDC-1EE7-FA4E-B1E1-4D38BF51E6AB}" type="datetimeFigureOut">
               <a:rPr kumimoji="1" lang="zh-CN" altLang="en-US" smtClean="0"/>
-              <a:t>2024/4/27</a:t>
+              <a:t>2024/5/3</a:t>
             </a:fld>
             <a:endParaRPr kumimoji="1" lang="zh-CN" altLang="en-US"/>
           </a:p>
@@ -8449,6 +8891,1617 @@
 </p:sld>
 </file>
 
+<file path=ppt/slides/slide4.xml><?xml version="1.0" encoding="utf-8"?>
+<p:sld xmlns:a="http://schemas.openxmlformats.org/drawingml/2006/main" xmlns:r="http://schemas.openxmlformats.org/officeDocument/2006/relationships" xmlns:p="http://schemas.openxmlformats.org/presentationml/2006/main">
+  <p:cSld>
+    <p:spTree>
+      <p:nvGrpSpPr>
+        <p:cNvPr id="1" name=""/>
+        <p:cNvGrpSpPr/>
+        <p:nvPr/>
+      </p:nvGrpSpPr>
+      <p:grpSpPr>
+        <a:xfrm>
+          <a:off x="0" y="0"/>
+          <a:ext cx="0" cy="0"/>
+          <a:chOff x="0" y="0"/>
+          <a:chExt cx="0" cy="0"/>
+        </a:xfrm>
+      </p:grpSpPr>
+      <p:sp>
+        <p:nvSpPr>
+          <p:cNvPr id="4" name="圆角矩形 3">
+            <a:extLst>
+              <a:ext uri="{FF2B5EF4-FFF2-40B4-BE49-F238E27FC236}">
+                <a16:creationId xmlns:a16="http://schemas.microsoft.com/office/drawing/2014/main" id="{CB23C9A6-6E1B-F52B-FC85-5871370E694D}"/>
+              </a:ext>
+            </a:extLst>
+          </p:cNvPr>
+          <p:cNvSpPr/>
+          <p:nvPr/>
+        </p:nvSpPr>
+        <p:spPr>
+          <a:xfrm>
+            <a:off x="2370399" y="2199491"/>
+            <a:ext cx="1594951" cy="1594951"/>
+          </a:xfrm>
+          <a:prstGeom prst="roundRect">
+            <a:avLst>
+              <a:gd name="adj" fmla="val 7173"/>
+            </a:avLst>
+          </a:prstGeom>
+          <a:gradFill flip="none" rotWithShape="1">
+            <a:gsLst>
+              <a:gs pos="0">
+                <a:srgbClr val="C00000">
+                  <a:shade val="30000"/>
+                  <a:satMod val="115000"/>
+                </a:srgbClr>
+              </a:gs>
+              <a:gs pos="35000">
+                <a:srgbClr val="C00000">
+                  <a:shade val="67500"/>
+                  <a:satMod val="115000"/>
+                </a:srgbClr>
+              </a:gs>
+              <a:gs pos="100000">
+                <a:srgbClr val="C00000">
+                  <a:shade val="100000"/>
+                  <a:satMod val="115000"/>
+                </a:srgbClr>
+              </a:gs>
+            </a:gsLst>
+            <a:lin ang="16200000" scaled="1"/>
+            <a:tileRect/>
+          </a:gradFill>
+          <a:ln>
+            <a:gradFill flip="none" rotWithShape="1">
+              <a:gsLst>
+                <a:gs pos="0">
+                  <a:schemeClr val="bg1"/>
+                </a:gs>
+                <a:gs pos="100000">
+                  <a:schemeClr val="tx1"/>
+                </a:gs>
+                <a:gs pos="100000">
+                  <a:schemeClr val="accent1">
+                    <a:lumMod val="45000"/>
+                    <a:lumOff val="55000"/>
+                  </a:schemeClr>
+                </a:gs>
+                <a:gs pos="100000">
+                  <a:schemeClr val="accent1">
+                    <a:lumMod val="30000"/>
+                    <a:lumOff val="70000"/>
+                  </a:schemeClr>
+                </a:gs>
+              </a:gsLst>
+              <a:lin ang="5400000" scaled="1"/>
+              <a:tileRect/>
+            </a:gradFill>
+          </a:ln>
+        </p:spPr>
+        <p:style>
+          <a:lnRef idx="2">
+            <a:schemeClr val="accent1">
+              <a:shade val="15000"/>
+            </a:schemeClr>
+          </a:lnRef>
+          <a:fillRef idx="1">
+            <a:schemeClr val="accent1"/>
+          </a:fillRef>
+          <a:effectRef idx="0">
+            <a:schemeClr val="accent1"/>
+          </a:effectRef>
+          <a:fontRef idx="minor">
+            <a:schemeClr val="lt1"/>
+          </a:fontRef>
+        </p:style>
+        <p:txBody>
+          <a:bodyPr rtlCol="0" anchor="ctr"/>
+          <a:lstStyle/>
+          <a:p>
+            <a:pPr algn="ctr"/>
+            <a:r>
+              <a:rPr kumimoji="1" lang="zh-CN" altLang="en-US" sz="4400" dirty="0">
+                <a:latin typeface="AaWLH" pitchFamily="18" charset="-122"/>
+                <a:ea typeface="AaWLH" pitchFamily="18" charset="-122"/>
+              </a:rPr>
+              <a:t>立即</a:t>
+            </a:r>
+            <a:endParaRPr kumimoji="1" lang="en-US" altLang="zh-CN" sz="4400" dirty="0">
+              <a:latin typeface="AaWLH" pitchFamily="18" charset="-122"/>
+              <a:ea typeface="AaWLH" pitchFamily="18" charset="-122"/>
+            </a:endParaRPr>
+          </a:p>
+          <a:p>
+            <a:pPr algn="ctr"/>
+            <a:r>
+              <a:rPr kumimoji="1" lang="zh-CN" altLang="en-US" sz="4400" dirty="0">
+                <a:latin typeface="AaWLH" pitchFamily="18" charset="-122"/>
+                <a:ea typeface="AaWLH" pitchFamily="18" charset="-122"/>
+              </a:rPr>
+              <a:t>抽奖</a:t>
+            </a:r>
+          </a:p>
+        </p:txBody>
+      </p:sp>
+      <p:pic>
+        <p:nvPicPr>
+          <p:cNvPr id="5" name="图片 4">
+            <a:extLst>
+              <a:ext uri="{FF2B5EF4-FFF2-40B4-BE49-F238E27FC236}">
+                <a16:creationId xmlns:a16="http://schemas.microsoft.com/office/drawing/2014/main" id="{96310B39-0B49-E397-94B7-190DC7CFE284}"/>
+              </a:ext>
+            </a:extLst>
+          </p:cNvPr>
+          <p:cNvPicPr>
+            <a:picLocks noChangeAspect="1"/>
+          </p:cNvPicPr>
+          <p:nvPr/>
+        </p:nvPicPr>
+        <p:blipFill>
+          <a:blip r:embed="rId3"/>
+          <a:stretch>
+            <a:fillRect/>
+          </a:stretch>
+        </p:blipFill>
+        <p:spPr>
+          <a:xfrm>
+            <a:off x="3456509" y="3315533"/>
+            <a:ext cx="508841" cy="478909"/>
+          </a:xfrm>
+          <a:prstGeom prst="rect">
+            <a:avLst/>
+          </a:prstGeom>
+        </p:spPr>
+      </p:pic>
+      <p:sp>
+        <p:nvSpPr>
+          <p:cNvPr id="6" name="圆角矩形 5">
+            <a:extLst>
+              <a:ext uri="{FF2B5EF4-FFF2-40B4-BE49-F238E27FC236}">
+                <a16:creationId xmlns:a16="http://schemas.microsoft.com/office/drawing/2014/main" id="{E9E84574-B8AB-48D0-1B1A-C0F076C7AF26}"/>
+              </a:ext>
+            </a:extLst>
+          </p:cNvPr>
+          <p:cNvSpPr/>
+          <p:nvPr/>
+        </p:nvSpPr>
+        <p:spPr>
+          <a:xfrm>
+            <a:off x="2370399" y="440812"/>
+            <a:ext cx="1594951" cy="1594951"/>
+          </a:xfrm>
+          <a:prstGeom prst="roundRect">
+            <a:avLst>
+              <a:gd name="adj" fmla="val 7173"/>
+            </a:avLst>
+          </a:prstGeom>
+          <a:gradFill flip="none" rotWithShape="1">
+            <a:gsLst>
+              <a:gs pos="0">
+                <a:schemeClr val="accent4">
+                  <a:lumMod val="0"/>
+                  <a:lumOff val="100000"/>
+                </a:schemeClr>
+              </a:gs>
+              <a:gs pos="26000">
+                <a:schemeClr val="accent4">
+                  <a:lumMod val="0"/>
+                  <a:lumOff val="100000"/>
+                </a:schemeClr>
+              </a:gs>
+              <a:gs pos="100000">
+                <a:srgbClr val="F0BEBF"/>
+              </a:gs>
+            </a:gsLst>
+            <a:path path="circle">
+              <a:fillToRect l="50000" t="50000" r="50000" b="50000"/>
+            </a:path>
+            <a:tileRect/>
+          </a:gradFill>
+          <a:ln>
+            <a:noFill/>
+          </a:ln>
+        </p:spPr>
+        <p:style>
+          <a:lnRef idx="2">
+            <a:schemeClr val="accent1">
+              <a:shade val="15000"/>
+            </a:schemeClr>
+          </a:lnRef>
+          <a:fillRef idx="1">
+            <a:schemeClr val="accent1"/>
+          </a:fillRef>
+          <a:effectRef idx="0">
+            <a:schemeClr val="accent1"/>
+          </a:effectRef>
+          <a:fontRef idx="minor">
+            <a:schemeClr val="lt1"/>
+          </a:fontRef>
+        </p:style>
+        <p:txBody>
+          <a:bodyPr rtlCol="0" anchor="ctr"/>
+          <a:lstStyle/>
+          <a:p>
+            <a:pPr algn="ctr"/>
+            <a:endParaRPr kumimoji="1" lang="zh-CN" altLang="en-US" sz="4400" dirty="0">
+              <a:latin typeface="AaWLH" pitchFamily="18" charset="-122"/>
+              <a:ea typeface="AaWLH" pitchFamily="18" charset="-122"/>
+            </a:endParaRPr>
+          </a:p>
+        </p:txBody>
+      </p:sp>
+      <p:sp>
+        <p:nvSpPr>
+          <p:cNvPr id="7" name="文本框 6">
+            <a:extLst>
+              <a:ext uri="{FF2B5EF4-FFF2-40B4-BE49-F238E27FC236}">
+                <a16:creationId xmlns:a16="http://schemas.microsoft.com/office/drawing/2014/main" id="{D224DBDB-B6EF-B0A4-A4E7-7997508BF1B2}"/>
+              </a:ext>
+            </a:extLst>
+          </p:cNvPr>
+          <p:cNvSpPr txBox="1"/>
+          <p:nvPr/>
+        </p:nvSpPr>
+        <p:spPr>
+          <a:xfrm>
+            <a:off x="2370399" y="1641048"/>
+            <a:ext cx="1594951" cy="307777"/>
+          </a:xfrm>
+          <a:prstGeom prst="rect">
+            <a:avLst/>
+          </a:prstGeom>
+          <a:noFill/>
+        </p:spPr>
+        <p:txBody>
+          <a:bodyPr wrap="square" rtlCol="0">
+            <a:spAutoFit/>
+          </a:bodyPr>
+          <a:lstStyle/>
+          <a:p>
+            <a:pPr algn="ctr"/>
+            <a:r>
+              <a:rPr kumimoji="1" lang="en-US" altLang="zh-CN" sz="1400" b="1" dirty="0">
+                <a:latin typeface="PingFang SC" panose="020B0400000000000000" pitchFamily="34" charset="-122"/>
+                <a:ea typeface="PingFang SC" panose="020B0400000000000000" pitchFamily="34" charset="-122"/>
+              </a:rPr>
+              <a:t>ChatGPT</a:t>
+            </a:r>
+            <a:r>
+              <a:rPr kumimoji="1" lang="zh-CN" altLang="en-US" sz="1400" b="1" dirty="0">
+                <a:latin typeface="PingFang SC" panose="020B0400000000000000" pitchFamily="34" charset="-122"/>
+                <a:ea typeface="PingFang SC" panose="020B0400000000000000" pitchFamily="34" charset="-122"/>
+              </a:rPr>
+              <a:t>会员卡</a:t>
+            </a:r>
+          </a:p>
+        </p:txBody>
+      </p:sp>
+      <p:sp>
+        <p:nvSpPr>
+          <p:cNvPr id="8" name="圆角矩形 7">
+            <a:extLst>
+              <a:ext uri="{FF2B5EF4-FFF2-40B4-BE49-F238E27FC236}">
+                <a16:creationId xmlns:a16="http://schemas.microsoft.com/office/drawing/2014/main" id="{DB46D14A-2ED9-36AB-51DF-E337E8388C94}"/>
+              </a:ext>
+            </a:extLst>
+          </p:cNvPr>
+          <p:cNvSpPr/>
+          <p:nvPr/>
+        </p:nvSpPr>
+        <p:spPr>
+          <a:xfrm>
+            <a:off x="567881" y="440812"/>
+            <a:ext cx="1594951" cy="1594951"/>
+          </a:xfrm>
+          <a:prstGeom prst="roundRect">
+            <a:avLst>
+              <a:gd name="adj" fmla="val 7173"/>
+            </a:avLst>
+          </a:prstGeom>
+          <a:gradFill flip="none" rotWithShape="1">
+            <a:gsLst>
+              <a:gs pos="0">
+                <a:schemeClr val="accent4">
+                  <a:lumMod val="0"/>
+                  <a:lumOff val="100000"/>
+                </a:schemeClr>
+              </a:gs>
+              <a:gs pos="26000">
+                <a:schemeClr val="accent4">
+                  <a:lumMod val="0"/>
+                  <a:lumOff val="100000"/>
+                </a:schemeClr>
+              </a:gs>
+              <a:gs pos="100000">
+                <a:srgbClr val="F0BEBF"/>
+              </a:gs>
+            </a:gsLst>
+            <a:path path="circle">
+              <a:fillToRect l="50000" t="50000" r="50000" b="50000"/>
+            </a:path>
+            <a:tileRect/>
+          </a:gradFill>
+          <a:ln>
+            <a:noFill/>
+          </a:ln>
+        </p:spPr>
+        <p:style>
+          <a:lnRef idx="2">
+            <a:schemeClr val="accent1">
+              <a:shade val="15000"/>
+            </a:schemeClr>
+          </a:lnRef>
+          <a:fillRef idx="1">
+            <a:schemeClr val="accent1"/>
+          </a:fillRef>
+          <a:effectRef idx="0">
+            <a:schemeClr val="accent1"/>
+          </a:effectRef>
+          <a:fontRef idx="minor">
+            <a:schemeClr val="lt1"/>
+          </a:fontRef>
+        </p:style>
+        <p:txBody>
+          <a:bodyPr rtlCol="0" anchor="ctr"/>
+          <a:lstStyle/>
+          <a:p>
+            <a:pPr algn="ctr"/>
+            <a:endParaRPr kumimoji="1" lang="zh-CN" altLang="en-US" sz="4400" dirty="0">
+              <a:latin typeface="AaWLH" pitchFamily="18" charset="-122"/>
+              <a:ea typeface="AaWLH" pitchFamily="18" charset="-122"/>
+            </a:endParaRPr>
+          </a:p>
+        </p:txBody>
+      </p:sp>
+      <p:pic>
+        <p:nvPicPr>
+          <p:cNvPr id="9" name="图片 8">
+            <a:extLst>
+              <a:ext uri="{FF2B5EF4-FFF2-40B4-BE49-F238E27FC236}">
+                <a16:creationId xmlns:a16="http://schemas.microsoft.com/office/drawing/2014/main" id="{8CE76483-1F35-75B7-D5A8-C7BD573154B4}"/>
+              </a:ext>
+            </a:extLst>
+          </p:cNvPr>
+          <p:cNvPicPr>
+            <a:picLocks noChangeAspect="1"/>
+          </p:cNvPicPr>
+          <p:nvPr/>
+        </p:nvPicPr>
+        <p:blipFill>
+          <a:blip r:embed="rId4"/>
+          <a:stretch>
+            <a:fillRect/>
+          </a:stretch>
+        </p:blipFill>
+        <p:spPr>
+          <a:xfrm>
+            <a:off x="983015" y="717083"/>
+            <a:ext cx="764682" cy="764682"/>
+          </a:xfrm>
+          <a:prstGeom prst="rect">
+            <a:avLst/>
+          </a:prstGeom>
+        </p:spPr>
+      </p:pic>
+      <p:sp>
+        <p:nvSpPr>
+          <p:cNvPr id="10" name="文本框 9">
+            <a:extLst>
+              <a:ext uri="{FF2B5EF4-FFF2-40B4-BE49-F238E27FC236}">
+                <a16:creationId xmlns:a16="http://schemas.microsoft.com/office/drawing/2014/main" id="{5851B274-8763-551E-9AB7-E05045E4E55C}"/>
+              </a:ext>
+            </a:extLst>
+          </p:cNvPr>
+          <p:cNvSpPr txBox="1"/>
+          <p:nvPr/>
+        </p:nvSpPr>
+        <p:spPr>
+          <a:xfrm>
+            <a:off x="567881" y="1641048"/>
+            <a:ext cx="1594951" cy="307777"/>
+          </a:xfrm>
+          <a:prstGeom prst="rect">
+            <a:avLst/>
+          </a:prstGeom>
+          <a:noFill/>
+        </p:spPr>
+        <p:txBody>
+          <a:bodyPr wrap="square" rtlCol="0">
+            <a:spAutoFit/>
+          </a:bodyPr>
+          <a:lstStyle/>
+          <a:p>
+            <a:pPr algn="ctr"/>
+            <a:r>
+              <a:rPr kumimoji="1" lang="zh-CN" altLang="en-US" sz="1400" b="1" dirty="0">
+                <a:latin typeface="PingFang SC" panose="020B0400000000000000" pitchFamily="34" charset="-122"/>
+                <a:ea typeface="PingFang SC" panose="020B0400000000000000" pitchFamily="34" charset="-122"/>
+              </a:rPr>
+              <a:t>随机积分</a:t>
+            </a:r>
+          </a:p>
+        </p:txBody>
+      </p:sp>
+      <p:sp>
+        <p:nvSpPr>
+          <p:cNvPr id="11" name="圆角矩形 10">
+            <a:extLst>
+              <a:ext uri="{FF2B5EF4-FFF2-40B4-BE49-F238E27FC236}">
+                <a16:creationId xmlns:a16="http://schemas.microsoft.com/office/drawing/2014/main" id="{CF4A33D7-9492-4C04-B84B-048C86D884B8}"/>
+              </a:ext>
+            </a:extLst>
+          </p:cNvPr>
+          <p:cNvSpPr/>
+          <p:nvPr/>
+        </p:nvSpPr>
+        <p:spPr>
+          <a:xfrm>
+            <a:off x="4172917" y="440812"/>
+            <a:ext cx="1594951" cy="1594951"/>
+          </a:xfrm>
+          <a:prstGeom prst="roundRect">
+            <a:avLst>
+              <a:gd name="adj" fmla="val 7173"/>
+            </a:avLst>
+          </a:prstGeom>
+          <a:gradFill flip="none" rotWithShape="1">
+            <a:gsLst>
+              <a:gs pos="0">
+                <a:schemeClr val="accent4">
+                  <a:lumMod val="0"/>
+                  <a:lumOff val="100000"/>
+                </a:schemeClr>
+              </a:gs>
+              <a:gs pos="26000">
+                <a:schemeClr val="accent4">
+                  <a:lumMod val="0"/>
+                  <a:lumOff val="100000"/>
+                </a:schemeClr>
+              </a:gs>
+              <a:gs pos="100000">
+                <a:srgbClr val="F0BEBF"/>
+              </a:gs>
+            </a:gsLst>
+            <a:path path="circle">
+              <a:fillToRect l="50000" t="50000" r="50000" b="50000"/>
+            </a:path>
+            <a:tileRect/>
+          </a:gradFill>
+          <a:ln>
+            <a:noFill/>
+          </a:ln>
+        </p:spPr>
+        <p:style>
+          <a:lnRef idx="2">
+            <a:schemeClr val="accent1">
+              <a:shade val="15000"/>
+            </a:schemeClr>
+          </a:lnRef>
+          <a:fillRef idx="1">
+            <a:schemeClr val="accent1"/>
+          </a:fillRef>
+          <a:effectRef idx="0">
+            <a:schemeClr val="accent1"/>
+          </a:effectRef>
+          <a:fontRef idx="minor">
+            <a:schemeClr val="lt1"/>
+          </a:fontRef>
+        </p:style>
+        <p:txBody>
+          <a:bodyPr rtlCol="0" anchor="ctr"/>
+          <a:lstStyle/>
+          <a:p>
+            <a:pPr algn="ctr"/>
+            <a:endParaRPr kumimoji="1" lang="zh-CN" altLang="en-US" sz="4400" dirty="0">
+              <a:latin typeface="AaWLH" pitchFamily="18" charset="-122"/>
+              <a:ea typeface="AaWLH" pitchFamily="18" charset="-122"/>
+            </a:endParaRPr>
+          </a:p>
+        </p:txBody>
+      </p:sp>
+      <p:sp>
+        <p:nvSpPr>
+          <p:cNvPr id="12" name="文本框 11">
+            <a:extLst>
+              <a:ext uri="{FF2B5EF4-FFF2-40B4-BE49-F238E27FC236}">
+                <a16:creationId xmlns:a16="http://schemas.microsoft.com/office/drawing/2014/main" id="{852A6A20-5CFF-E45F-28C6-D6AA6C43C0CD}"/>
+              </a:ext>
+            </a:extLst>
+          </p:cNvPr>
+          <p:cNvSpPr txBox="1"/>
+          <p:nvPr/>
+        </p:nvSpPr>
+        <p:spPr>
+          <a:xfrm>
+            <a:off x="4172917" y="1641048"/>
+            <a:ext cx="1594951" cy="307777"/>
+          </a:xfrm>
+          <a:prstGeom prst="rect">
+            <a:avLst/>
+          </a:prstGeom>
+          <a:noFill/>
+        </p:spPr>
+        <p:txBody>
+          <a:bodyPr wrap="square" rtlCol="0">
+            <a:spAutoFit/>
+          </a:bodyPr>
+          <a:lstStyle/>
+          <a:p>
+            <a:pPr algn="ctr"/>
+            <a:r>
+              <a:rPr kumimoji="1" lang="zh-CN" altLang="en-US" sz="1400" b="1" dirty="0">
+                <a:latin typeface="PingFang SC" panose="020B0400000000000000" pitchFamily="34" charset="-122"/>
+                <a:ea typeface="PingFang SC" panose="020B0400000000000000" pitchFamily="34" charset="-122"/>
+              </a:rPr>
+              <a:t>支付优惠券</a:t>
+            </a:r>
+          </a:p>
+        </p:txBody>
+      </p:sp>
+      <p:sp>
+        <p:nvSpPr>
+          <p:cNvPr id="19" name="圆角矩形 18">
+            <a:extLst>
+              <a:ext uri="{FF2B5EF4-FFF2-40B4-BE49-F238E27FC236}">
+                <a16:creationId xmlns:a16="http://schemas.microsoft.com/office/drawing/2014/main" id="{5A7B143D-7022-E1ED-9B4E-7A94365202B4}"/>
+              </a:ext>
+            </a:extLst>
+          </p:cNvPr>
+          <p:cNvSpPr/>
+          <p:nvPr/>
+        </p:nvSpPr>
+        <p:spPr>
+          <a:xfrm>
+            <a:off x="576279" y="2199491"/>
+            <a:ext cx="1594951" cy="1594951"/>
+          </a:xfrm>
+          <a:prstGeom prst="roundRect">
+            <a:avLst>
+              <a:gd name="adj" fmla="val 7173"/>
+            </a:avLst>
+          </a:prstGeom>
+          <a:gradFill flip="none" rotWithShape="1">
+            <a:gsLst>
+              <a:gs pos="0">
+                <a:schemeClr val="accent4">
+                  <a:lumMod val="0"/>
+                  <a:lumOff val="100000"/>
+                </a:schemeClr>
+              </a:gs>
+              <a:gs pos="26000">
+                <a:schemeClr val="accent4">
+                  <a:lumMod val="0"/>
+                  <a:lumOff val="100000"/>
+                </a:schemeClr>
+              </a:gs>
+              <a:gs pos="100000">
+                <a:srgbClr val="F0BEBF"/>
+              </a:gs>
+            </a:gsLst>
+            <a:path path="circle">
+              <a:fillToRect l="50000" t="50000" r="50000" b="50000"/>
+            </a:path>
+            <a:tileRect/>
+          </a:gradFill>
+          <a:ln>
+            <a:noFill/>
+          </a:ln>
+        </p:spPr>
+        <p:style>
+          <a:lnRef idx="2">
+            <a:schemeClr val="accent1">
+              <a:shade val="15000"/>
+            </a:schemeClr>
+          </a:lnRef>
+          <a:fillRef idx="1">
+            <a:schemeClr val="accent1"/>
+          </a:fillRef>
+          <a:effectRef idx="0">
+            <a:schemeClr val="accent1"/>
+          </a:effectRef>
+          <a:fontRef idx="minor">
+            <a:schemeClr val="lt1"/>
+          </a:fontRef>
+        </p:style>
+        <p:txBody>
+          <a:bodyPr rtlCol="0" anchor="ctr"/>
+          <a:lstStyle/>
+          <a:p>
+            <a:pPr algn="ctr"/>
+            <a:endParaRPr kumimoji="1" lang="zh-CN" altLang="en-US" sz="4400" dirty="0">
+              <a:latin typeface="AaWLH" pitchFamily="18" charset="-122"/>
+              <a:ea typeface="AaWLH" pitchFamily="18" charset="-122"/>
+            </a:endParaRPr>
+          </a:p>
+        </p:txBody>
+      </p:sp>
+      <p:sp>
+        <p:nvSpPr>
+          <p:cNvPr id="20" name="文本框 19">
+            <a:extLst>
+              <a:ext uri="{FF2B5EF4-FFF2-40B4-BE49-F238E27FC236}">
+                <a16:creationId xmlns:a16="http://schemas.microsoft.com/office/drawing/2014/main" id="{3D398820-F8AB-D7DF-84A3-5F6440614B0D}"/>
+              </a:ext>
+            </a:extLst>
+          </p:cNvPr>
+          <p:cNvSpPr txBox="1"/>
+          <p:nvPr/>
+        </p:nvSpPr>
+        <p:spPr>
+          <a:xfrm>
+            <a:off x="576279" y="3399727"/>
+            <a:ext cx="1594951" cy="307777"/>
+          </a:xfrm>
+          <a:prstGeom prst="rect">
+            <a:avLst/>
+          </a:prstGeom>
+          <a:noFill/>
+        </p:spPr>
+        <p:txBody>
+          <a:bodyPr wrap="square" rtlCol="0">
+            <a:spAutoFit/>
+          </a:bodyPr>
+          <a:lstStyle/>
+          <a:p>
+            <a:pPr algn="ctr"/>
+            <a:r>
+              <a:rPr kumimoji="1" lang="zh-CN" altLang="en-US" sz="1400" b="1" dirty="0">
+                <a:latin typeface="PingFang SC" panose="020B0400000000000000" pitchFamily="34" charset="-122"/>
+                <a:ea typeface="PingFang SC" panose="020B0400000000000000" pitchFamily="34" charset="-122"/>
+              </a:rPr>
+              <a:t>暴走玩偶</a:t>
+            </a:r>
+          </a:p>
+        </p:txBody>
+      </p:sp>
+      <p:sp>
+        <p:nvSpPr>
+          <p:cNvPr id="21" name="圆角矩形 20">
+            <a:extLst>
+              <a:ext uri="{FF2B5EF4-FFF2-40B4-BE49-F238E27FC236}">
+                <a16:creationId xmlns:a16="http://schemas.microsoft.com/office/drawing/2014/main" id="{FCC070E2-B85F-3D5E-C2BE-64123C4BA23D}"/>
+              </a:ext>
+            </a:extLst>
+          </p:cNvPr>
+          <p:cNvSpPr/>
+          <p:nvPr/>
+        </p:nvSpPr>
+        <p:spPr>
+          <a:xfrm>
+            <a:off x="4164519" y="2195046"/>
+            <a:ext cx="1594951" cy="1594951"/>
+          </a:xfrm>
+          <a:prstGeom prst="roundRect">
+            <a:avLst>
+              <a:gd name="adj" fmla="val 7173"/>
+            </a:avLst>
+          </a:prstGeom>
+          <a:gradFill flip="none" rotWithShape="1">
+            <a:gsLst>
+              <a:gs pos="0">
+                <a:schemeClr val="accent4">
+                  <a:lumMod val="0"/>
+                  <a:lumOff val="100000"/>
+                </a:schemeClr>
+              </a:gs>
+              <a:gs pos="26000">
+                <a:schemeClr val="accent4">
+                  <a:lumMod val="0"/>
+                  <a:lumOff val="100000"/>
+                </a:schemeClr>
+              </a:gs>
+              <a:gs pos="100000">
+                <a:srgbClr val="F0BEBF"/>
+              </a:gs>
+            </a:gsLst>
+            <a:path path="circle">
+              <a:fillToRect l="50000" t="50000" r="50000" b="50000"/>
+            </a:path>
+            <a:tileRect/>
+          </a:gradFill>
+          <a:ln>
+            <a:noFill/>
+          </a:ln>
+        </p:spPr>
+        <p:style>
+          <a:lnRef idx="2">
+            <a:schemeClr val="accent1">
+              <a:shade val="15000"/>
+            </a:schemeClr>
+          </a:lnRef>
+          <a:fillRef idx="1">
+            <a:schemeClr val="accent1"/>
+          </a:fillRef>
+          <a:effectRef idx="0">
+            <a:schemeClr val="accent1"/>
+          </a:effectRef>
+          <a:fontRef idx="minor">
+            <a:schemeClr val="lt1"/>
+          </a:fontRef>
+        </p:style>
+        <p:txBody>
+          <a:bodyPr rtlCol="0" anchor="ctr"/>
+          <a:lstStyle/>
+          <a:p>
+            <a:pPr algn="ctr"/>
+            <a:endParaRPr kumimoji="1" lang="zh-CN" altLang="en-US" sz="4400" dirty="0">
+              <a:latin typeface="AaWLH" pitchFamily="18" charset="-122"/>
+              <a:ea typeface="AaWLH" pitchFamily="18" charset="-122"/>
+            </a:endParaRPr>
+          </a:p>
+        </p:txBody>
+      </p:sp>
+      <p:sp>
+        <p:nvSpPr>
+          <p:cNvPr id="22" name="文本框 21">
+            <a:extLst>
+              <a:ext uri="{FF2B5EF4-FFF2-40B4-BE49-F238E27FC236}">
+                <a16:creationId xmlns:a16="http://schemas.microsoft.com/office/drawing/2014/main" id="{C5CE9413-2196-786D-82C0-F33E57805B00}"/>
+              </a:ext>
+            </a:extLst>
+          </p:cNvPr>
+          <p:cNvSpPr txBox="1"/>
+          <p:nvPr/>
+        </p:nvSpPr>
+        <p:spPr>
+          <a:xfrm>
+            <a:off x="4164519" y="3395282"/>
+            <a:ext cx="1594951" cy="307777"/>
+          </a:xfrm>
+          <a:prstGeom prst="rect">
+            <a:avLst/>
+          </a:prstGeom>
+          <a:noFill/>
+        </p:spPr>
+        <p:txBody>
+          <a:bodyPr wrap="square" rtlCol="0">
+            <a:spAutoFit/>
+          </a:bodyPr>
+          <a:lstStyle/>
+          <a:p>
+            <a:pPr algn="ctr"/>
+            <a:r>
+              <a:rPr kumimoji="1" lang="zh-CN" altLang="en-US" sz="1400" b="1" dirty="0">
+                <a:latin typeface="PingFang SC" panose="020B0400000000000000" pitchFamily="34" charset="-122"/>
+                <a:ea typeface="PingFang SC" panose="020B0400000000000000" pitchFamily="34" charset="-122"/>
+              </a:rPr>
+              <a:t>小米台灯</a:t>
+            </a:r>
+          </a:p>
+        </p:txBody>
+      </p:sp>
+      <p:pic>
+        <p:nvPicPr>
+          <p:cNvPr id="23" name="图片 22">
+            <a:extLst>
+              <a:ext uri="{FF2B5EF4-FFF2-40B4-BE49-F238E27FC236}">
+                <a16:creationId xmlns:a16="http://schemas.microsoft.com/office/drawing/2014/main" id="{0DF1FF3B-59C1-0BF8-F705-BABD760BE3CF}"/>
+              </a:ext>
+            </a:extLst>
+          </p:cNvPr>
+          <p:cNvPicPr>
+            <a:picLocks noChangeAspect="1"/>
+          </p:cNvPicPr>
+          <p:nvPr/>
+        </p:nvPicPr>
+        <p:blipFill>
+          <a:blip r:embed="rId5"/>
+          <a:stretch>
+            <a:fillRect/>
+          </a:stretch>
+        </p:blipFill>
+        <p:spPr>
+          <a:xfrm>
+            <a:off x="2810962" y="709998"/>
+            <a:ext cx="785078" cy="785078"/>
+          </a:xfrm>
+          <a:prstGeom prst="rect">
+            <a:avLst/>
+          </a:prstGeom>
+        </p:spPr>
+      </p:pic>
+      <p:pic>
+        <p:nvPicPr>
+          <p:cNvPr id="24" name="图片 23">
+            <a:extLst>
+              <a:ext uri="{FF2B5EF4-FFF2-40B4-BE49-F238E27FC236}">
+                <a16:creationId xmlns:a16="http://schemas.microsoft.com/office/drawing/2014/main" id="{21E0DE94-C9DA-AE48-D8C9-A3C051D24CFA}"/>
+              </a:ext>
+            </a:extLst>
+          </p:cNvPr>
+          <p:cNvPicPr>
+            <a:picLocks noChangeAspect="1"/>
+          </p:cNvPicPr>
+          <p:nvPr/>
+        </p:nvPicPr>
+        <p:blipFill>
+          <a:blip r:embed="rId6"/>
+          <a:stretch>
+            <a:fillRect/>
+          </a:stretch>
+        </p:blipFill>
+        <p:spPr>
+          <a:xfrm>
+            <a:off x="4596449" y="831082"/>
+            <a:ext cx="773771" cy="596643"/>
+          </a:xfrm>
+          <a:prstGeom prst="rect">
+            <a:avLst/>
+          </a:prstGeom>
+        </p:spPr>
+      </p:pic>
+      <p:pic>
+        <p:nvPicPr>
+          <p:cNvPr id="28" name="图片 27">
+            <a:extLst>
+              <a:ext uri="{FF2B5EF4-FFF2-40B4-BE49-F238E27FC236}">
+                <a16:creationId xmlns:a16="http://schemas.microsoft.com/office/drawing/2014/main" id="{40A030AF-4DD9-4C5A-BD19-99BB8D8CB0F9}"/>
+              </a:ext>
+            </a:extLst>
+          </p:cNvPr>
+          <p:cNvPicPr>
+            <a:picLocks noChangeAspect="1"/>
+          </p:cNvPicPr>
+          <p:nvPr/>
+        </p:nvPicPr>
+        <p:blipFill>
+          <a:blip r:embed="rId7"/>
+          <a:stretch>
+            <a:fillRect/>
+          </a:stretch>
+        </p:blipFill>
+        <p:spPr>
+          <a:xfrm>
+            <a:off x="975073" y="2474445"/>
+            <a:ext cx="863828" cy="863828"/>
+          </a:xfrm>
+          <a:prstGeom prst="rect">
+            <a:avLst/>
+          </a:prstGeom>
+        </p:spPr>
+      </p:pic>
+      <p:pic>
+        <p:nvPicPr>
+          <p:cNvPr id="29" name="图片 28">
+            <a:extLst>
+              <a:ext uri="{FF2B5EF4-FFF2-40B4-BE49-F238E27FC236}">
+                <a16:creationId xmlns:a16="http://schemas.microsoft.com/office/drawing/2014/main" id="{6C7BC7C6-AF06-7026-DD90-E902B917DB06}"/>
+              </a:ext>
+            </a:extLst>
+          </p:cNvPr>
+          <p:cNvPicPr>
+            <a:picLocks noChangeAspect="1"/>
+          </p:cNvPicPr>
+          <p:nvPr/>
+        </p:nvPicPr>
+        <p:blipFill>
+          <a:blip r:embed="rId8"/>
+          <a:stretch>
+            <a:fillRect/>
+          </a:stretch>
+        </p:blipFill>
+        <p:spPr>
+          <a:xfrm>
+            <a:off x="4555017" y="2513294"/>
+            <a:ext cx="847546" cy="786130"/>
+          </a:xfrm>
+          <a:prstGeom prst="rect">
+            <a:avLst/>
+          </a:prstGeom>
+        </p:spPr>
+      </p:pic>
+      <p:sp>
+        <p:nvSpPr>
+          <p:cNvPr id="30" name="圆角矩形 29">
+            <a:extLst>
+              <a:ext uri="{FF2B5EF4-FFF2-40B4-BE49-F238E27FC236}">
+                <a16:creationId xmlns:a16="http://schemas.microsoft.com/office/drawing/2014/main" id="{271A6050-9B01-914E-AC17-FA87DDE58520}"/>
+              </a:ext>
+            </a:extLst>
+          </p:cNvPr>
+          <p:cNvSpPr/>
+          <p:nvPr/>
+        </p:nvSpPr>
+        <p:spPr>
+          <a:xfrm>
+            <a:off x="577649" y="3934326"/>
+            <a:ext cx="1594951" cy="1594951"/>
+          </a:xfrm>
+          <a:prstGeom prst="roundRect">
+            <a:avLst>
+              <a:gd name="adj" fmla="val 7173"/>
+            </a:avLst>
+          </a:prstGeom>
+          <a:solidFill>
+            <a:schemeClr val="bg2"/>
+          </a:solidFill>
+          <a:ln>
+            <a:noFill/>
+          </a:ln>
+        </p:spPr>
+        <p:style>
+          <a:lnRef idx="2">
+            <a:schemeClr val="accent1">
+              <a:shade val="15000"/>
+            </a:schemeClr>
+          </a:lnRef>
+          <a:fillRef idx="1">
+            <a:schemeClr val="accent1"/>
+          </a:fillRef>
+          <a:effectRef idx="0">
+            <a:schemeClr val="accent1"/>
+          </a:effectRef>
+          <a:fontRef idx="minor">
+            <a:schemeClr val="lt1"/>
+          </a:fontRef>
+        </p:style>
+        <p:txBody>
+          <a:bodyPr rtlCol="0" anchor="ctr"/>
+          <a:lstStyle/>
+          <a:p>
+            <a:pPr algn="ctr"/>
+            <a:endParaRPr kumimoji="1" lang="zh-CN" altLang="en-US" sz="4400" dirty="0">
+              <a:latin typeface="AaWLH" pitchFamily="18" charset="-122"/>
+              <a:ea typeface="AaWLH" pitchFamily="18" charset="-122"/>
+            </a:endParaRPr>
+          </a:p>
+        </p:txBody>
+      </p:sp>
+      <p:sp>
+        <p:nvSpPr>
+          <p:cNvPr id="31" name="文本框 30">
+            <a:extLst>
+              <a:ext uri="{FF2B5EF4-FFF2-40B4-BE49-F238E27FC236}">
+                <a16:creationId xmlns:a16="http://schemas.microsoft.com/office/drawing/2014/main" id="{A025FEF0-7220-FC4E-E183-A430209A72B2}"/>
+              </a:ext>
+            </a:extLst>
+          </p:cNvPr>
+          <p:cNvSpPr txBox="1"/>
+          <p:nvPr/>
+        </p:nvSpPr>
+        <p:spPr>
+          <a:xfrm>
+            <a:off x="577649" y="5134562"/>
+            <a:ext cx="1594951" cy="307777"/>
+          </a:xfrm>
+          <a:prstGeom prst="rect">
+            <a:avLst/>
+          </a:prstGeom>
+          <a:noFill/>
+        </p:spPr>
+        <p:txBody>
+          <a:bodyPr wrap="square" rtlCol="0">
+            <a:spAutoFit/>
+          </a:bodyPr>
+          <a:lstStyle/>
+          <a:p>
+            <a:pPr algn="ctr"/>
+            <a:r>
+              <a:rPr kumimoji="1" lang="zh-CN" altLang="en-US" sz="1400" b="1" dirty="0">
+                <a:latin typeface="PingFang SC" panose="020B0400000000000000" pitchFamily="34" charset="-122"/>
+                <a:ea typeface="PingFang SC" panose="020B0400000000000000" pitchFamily="34" charset="-122"/>
+              </a:rPr>
+              <a:t>再抽奖</a:t>
+            </a:r>
+            <a:r>
+              <a:rPr kumimoji="1" lang="en-US" altLang="zh-CN" sz="1400" b="1" dirty="0">
+                <a:latin typeface="PingFang SC" panose="020B0400000000000000" pitchFamily="34" charset="-122"/>
+                <a:ea typeface="PingFang SC" panose="020B0400000000000000" pitchFamily="34" charset="-122"/>
+              </a:rPr>
+              <a:t>1</a:t>
+            </a:r>
+            <a:r>
+              <a:rPr kumimoji="1" lang="zh-CN" altLang="en-US" sz="1400" b="1" dirty="0">
+                <a:latin typeface="PingFang SC" panose="020B0400000000000000" pitchFamily="34" charset="-122"/>
+                <a:ea typeface="PingFang SC" panose="020B0400000000000000" pitchFamily="34" charset="-122"/>
+              </a:rPr>
+              <a:t>次解锁</a:t>
+            </a:r>
+          </a:p>
+        </p:txBody>
+      </p:sp>
+      <p:pic>
+        <p:nvPicPr>
+          <p:cNvPr id="32" name="图片 31">
+            <a:extLst>
+              <a:ext uri="{FF2B5EF4-FFF2-40B4-BE49-F238E27FC236}">
+                <a16:creationId xmlns:a16="http://schemas.microsoft.com/office/drawing/2014/main" id="{DC202725-7025-76E2-4B3C-B554DF87B661}"/>
+              </a:ext>
+            </a:extLst>
+          </p:cNvPr>
+          <p:cNvPicPr>
+            <a:picLocks noChangeAspect="1"/>
+          </p:cNvPicPr>
+          <p:nvPr/>
+        </p:nvPicPr>
+        <p:blipFill>
+          <a:blip r:embed="rId9"/>
+          <a:stretch>
+            <a:fillRect/>
+          </a:stretch>
+        </p:blipFill>
+        <p:spPr>
+          <a:xfrm>
+            <a:off x="1064904" y="4119342"/>
+            <a:ext cx="1015220" cy="1015220"/>
+          </a:xfrm>
+          <a:prstGeom prst="rect">
+            <a:avLst/>
+          </a:prstGeom>
+        </p:spPr>
+      </p:pic>
+      <p:sp>
+        <p:nvSpPr>
+          <p:cNvPr id="33" name="圆角矩形 32">
+            <a:extLst>
+              <a:ext uri="{FF2B5EF4-FFF2-40B4-BE49-F238E27FC236}">
+                <a16:creationId xmlns:a16="http://schemas.microsoft.com/office/drawing/2014/main" id="{8C34BDA5-3DE2-C369-0284-71F181006D09}"/>
+              </a:ext>
+            </a:extLst>
+          </p:cNvPr>
+          <p:cNvSpPr/>
+          <p:nvPr/>
+        </p:nvSpPr>
+        <p:spPr>
+          <a:xfrm>
+            <a:off x="576279" y="3885855"/>
+            <a:ext cx="1594951" cy="1643422"/>
+          </a:xfrm>
+          <a:prstGeom prst="roundRect">
+            <a:avLst>
+              <a:gd name="adj" fmla="val 0"/>
+            </a:avLst>
+          </a:prstGeom>
+          <a:solidFill>
+            <a:schemeClr val="bg1">
+              <a:alpha val="38000"/>
+            </a:schemeClr>
+          </a:solidFill>
+          <a:ln>
+            <a:noFill/>
+          </a:ln>
+        </p:spPr>
+        <p:style>
+          <a:lnRef idx="2">
+            <a:schemeClr val="accent1">
+              <a:shade val="15000"/>
+            </a:schemeClr>
+          </a:lnRef>
+          <a:fillRef idx="1">
+            <a:schemeClr val="accent1"/>
+          </a:fillRef>
+          <a:effectRef idx="0">
+            <a:schemeClr val="accent1"/>
+          </a:effectRef>
+          <a:fontRef idx="minor">
+            <a:schemeClr val="lt1"/>
+          </a:fontRef>
+        </p:style>
+        <p:txBody>
+          <a:bodyPr rtlCol="0" anchor="ctr"/>
+          <a:lstStyle/>
+          <a:p>
+            <a:pPr algn="ctr"/>
+            <a:endParaRPr kumimoji="1" lang="zh-CN" altLang="en-US" dirty="0"/>
+          </a:p>
+        </p:txBody>
+      </p:sp>
+      <p:sp>
+        <p:nvSpPr>
+          <p:cNvPr id="34" name="文本框 33">
+            <a:extLst>
+              <a:ext uri="{FF2B5EF4-FFF2-40B4-BE49-F238E27FC236}">
+                <a16:creationId xmlns:a16="http://schemas.microsoft.com/office/drawing/2014/main" id="{CB209CC7-44DB-FD2E-FDEA-10B1F0897F0B}"/>
+              </a:ext>
+            </a:extLst>
+          </p:cNvPr>
+          <p:cNvSpPr txBox="1"/>
+          <p:nvPr/>
+        </p:nvSpPr>
+        <p:spPr>
+          <a:xfrm>
+            <a:off x="1757102" y="3980446"/>
+            <a:ext cx="415498" cy="369332"/>
+          </a:xfrm>
+          <a:prstGeom prst="rect">
+            <a:avLst/>
+          </a:prstGeom>
+          <a:noFill/>
+        </p:spPr>
+        <p:txBody>
+          <a:bodyPr wrap="none" rtlCol="0">
+            <a:spAutoFit/>
+          </a:bodyPr>
+          <a:lstStyle/>
+          <a:p>
+            <a:r>
+              <a:rPr kumimoji="1" lang="en-US" altLang="zh-CN" dirty="0"/>
+              <a:t>🔐</a:t>
+            </a:r>
+            <a:endParaRPr kumimoji="1" lang="zh-CN" altLang="en-US" dirty="0"/>
+          </a:p>
+        </p:txBody>
+      </p:sp>
+      <p:sp>
+        <p:nvSpPr>
+          <p:cNvPr id="35" name="圆角矩形 34">
+            <a:extLst>
+              <a:ext uri="{FF2B5EF4-FFF2-40B4-BE49-F238E27FC236}">
+                <a16:creationId xmlns:a16="http://schemas.microsoft.com/office/drawing/2014/main" id="{BCA07E83-1EEB-92F7-6A09-0D9ABE75E74F}"/>
+              </a:ext>
+            </a:extLst>
+          </p:cNvPr>
+          <p:cNvSpPr/>
+          <p:nvPr/>
+        </p:nvSpPr>
+        <p:spPr>
+          <a:xfrm>
+            <a:off x="2371769" y="3937128"/>
+            <a:ext cx="1594951" cy="1594951"/>
+          </a:xfrm>
+          <a:prstGeom prst="roundRect">
+            <a:avLst>
+              <a:gd name="adj" fmla="val 7173"/>
+            </a:avLst>
+          </a:prstGeom>
+          <a:solidFill>
+            <a:schemeClr val="bg2"/>
+          </a:solidFill>
+          <a:ln>
+            <a:noFill/>
+          </a:ln>
+        </p:spPr>
+        <p:style>
+          <a:lnRef idx="2">
+            <a:schemeClr val="accent1">
+              <a:shade val="15000"/>
+            </a:schemeClr>
+          </a:lnRef>
+          <a:fillRef idx="1">
+            <a:schemeClr val="accent1"/>
+          </a:fillRef>
+          <a:effectRef idx="0">
+            <a:schemeClr val="accent1"/>
+          </a:effectRef>
+          <a:fontRef idx="minor">
+            <a:schemeClr val="lt1"/>
+          </a:fontRef>
+        </p:style>
+        <p:txBody>
+          <a:bodyPr rtlCol="0" anchor="ctr"/>
+          <a:lstStyle/>
+          <a:p>
+            <a:pPr algn="ctr"/>
+            <a:endParaRPr kumimoji="1" lang="zh-CN" altLang="en-US" sz="4400" dirty="0">
+              <a:latin typeface="AaWLH" pitchFamily="18" charset="-122"/>
+              <a:ea typeface="AaWLH" pitchFamily="18" charset="-122"/>
+            </a:endParaRPr>
+          </a:p>
+        </p:txBody>
+      </p:sp>
+      <p:sp>
+        <p:nvSpPr>
+          <p:cNvPr id="36" name="文本框 35">
+            <a:extLst>
+              <a:ext uri="{FF2B5EF4-FFF2-40B4-BE49-F238E27FC236}">
+                <a16:creationId xmlns:a16="http://schemas.microsoft.com/office/drawing/2014/main" id="{6EEB67B6-4FB1-7A8A-B72B-86D28D17502D}"/>
+              </a:ext>
+            </a:extLst>
+          </p:cNvPr>
+          <p:cNvSpPr txBox="1"/>
+          <p:nvPr/>
+        </p:nvSpPr>
+        <p:spPr>
+          <a:xfrm>
+            <a:off x="2371769" y="5137364"/>
+            <a:ext cx="1594951" cy="307777"/>
+          </a:xfrm>
+          <a:prstGeom prst="rect">
+            <a:avLst/>
+          </a:prstGeom>
+          <a:noFill/>
+        </p:spPr>
+        <p:txBody>
+          <a:bodyPr wrap="square" rtlCol="0">
+            <a:spAutoFit/>
+          </a:bodyPr>
+          <a:lstStyle/>
+          <a:p>
+            <a:pPr algn="ctr"/>
+            <a:r>
+              <a:rPr kumimoji="1" lang="zh-CN" altLang="en-US" sz="1400" b="1" dirty="0">
+                <a:latin typeface="PingFang SC" panose="020B0400000000000000" pitchFamily="34" charset="-122"/>
+                <a:ea typeface="PingFang SC" panose="020B0400000000000000" pitchFamily="34" charset="-122"/>
+              </a:rPr>
+              <a:t>再抽奖</a:t>
+            </a:r>
+            <a:r>
+              <a:rPr kumimoji="1" lang="en-US" altLang="zh-CN" sz="1400" b="1" dirty="0">
+                <a:latin typeface="PingFang SC" panose="020B0400000000000000" pitchFamily="34" charset="-122"/>
+                <a:ea typeface="PingFang SC" panose="020B0400000000000000" pitchFamily="34" charset="-122"/>
+              </a:rPr>
+              <a:t>2</a:t>
+            </a:r>
+            <a:r>
+              <a:rPr kumimoji="1" lang="zh-CN" altLang="en-US" sz="1400" b="1" dirty="0">
+                <a:latin typeface="PingFang SC" panose="020B0400000000000000" pitchFamily="34" charset="-122"/>
+                <a:ea typeface="PingFang SC" panose="020B0400000000000000" pitchFamily="34" charset="-122"/>
+              </a:rPr>
+              <a:t>次解锁</a:t>
+            </a:r>
+          </a:p>
+        </p:txBody>
+      </p:sp>
+      <p:sp>
+        <p:nvSpPr>
+          <p:cNvPr id="37" name="圆角矩形 36">
+            <a:extLst>
+              <a:ext uri="{FF2B5EF4-FFF2-40B4-BE49-F238E27FC236}">
+                <a16:creationId xmlns:a16="http://schemas.microsoft.com/office/drawing/2014/main" id="{B3AD240B-19AF-C106-6F57-CE0AE67FF345}"/>
+              </a:ext>
+            </a:extLst>
+          </p:cNvPr>
+          <p:cNvSpPr/>
+          <p:nvPr/>
+        </p:nvSpPr>
+        <p:spPr>
+          <a:xfrm>
+            <a:off x="4170303" y="3949028"/>
+            <a:ext cx="1594951" cy="1594951"/>
+          </a:xfrm>
+          <a:prstGeom prst="roundRect">
+            <a:avLst>
+              <a:gd name="adj" fmla="val 7173"/>
+            </a:avLst>
+          </a:prstGeom>
+          <a:solidFill>
+            <a:schemeClr val="bg2"/>
+          </a:solidFill>
+          <a:ln>
+            <a:noFill/>
+          </a:ln>
+        </p:spPr>
+        <p:style>
+          <a:lnRef idx="2">
+            <a:schemeClr val="accent1">
+              <a:shade val="15000"/>
+            </a:schemeClr>
+          </a:lnRef>
+          <a:fillRef idx="1">
+            <a:schemeClr val="accent1"/>
+          </a:fillRef>
+          <a:effectRef idx="0">
+            <a:schemeClr val="accent1"/>
+          </a:effectRef>
+          <a:fontRef idx="minor">
+            <a:schemeClr val="lt1"/>
+          </a:fontRef>
+        </p:style>
+        <p:txBody>
+          <a:bodyPr rtlCol="0" anchor="ctr"/>
+          <a:lstStyle/>
+          <a:p>
+            <a:pPr algn="ctr"/>
+            <a:endParaRPr kumimoji="1" lang="zh-CN" altLang="en-US" sz="4400" dirty="0">
+              <a:latin typeface="AaWLH" pitchFamily="18" charset="-122"/>
+              <a:ea typeface="AaWLH" pitchFamily="18" charset="-122"/>
+            </a:endParaRPr>
+          </a:p>
+        </p:txBody>
+      </p:sp>
+      <p:sp>
+        <p:nvSpPr>
+          <p:cNvPr id="38" name="文本框 37">
+            <a:extLst>
+              <a:ext uri="{FF2B5EF4-FFF2-40B4-BE49-F238E27FC236}">
+                <a16:creationId xmlns:a16="http://schemas.microsoft.com/office/drawing/2014/main" id="{A1E1DF7B-43EC-4527-AADF-2171153F5B86}"/>
+              </a:ext>
+            </a:extLst>
+          </p:cNvPr>
+          <p:cNvSpPr txBox="1"/>
+          <p:nvPr/>
+        </p:nvSpPr>
+        <p:spPr>
+          <a:xfrm>
+            <a:off x="4170303" y="5149264"/>
+            <a:ext cx="1594951" cy="307777"/>
+          </a:xfrm>
+          <a:prstGeom prst="rect">
+            <a:avLst/>
+          </a:prstGeom>
+          <a:noFill/>
+        </p:spPr>
+        <p:txBody>
+          <a:bodyPr wrap="square" rtlCol="0">
+            <a:spAutoFit/>
+          </a:bodyPr>
+          <a:lstStyle/>
+          <a:p>
+            <a:pPr algn="ctr"/>
+            <a:r>
+              <a:rPr kumimoji="1" lang="zh-CN" altLang="en-US" sz="1400" b="1" dirty="0">
+                <a:latin typeface="PingFang SC" panose="020B0400000000000000" pitchFamily="34" charset="-122"/>
+                <a:ea typeface="PingFang SC" panose="020B0400000000000000" pitchFamily="34" charset="-122"/>
+              </a:rPr>
+              <a:t>再抽奖</a:t>
+            </a:r>
+            <a:r>
+              <a:rPr kumimoji="1" lang="en-US" altLang="zh-CN" sz="1400" b="1" dirty="0">
+                <a:latin typeface="PingFang SC" panose="020B0400000000000000" pitchFamily="34" charset="-122"/>
+                <a:ea typeface="PingFang SC" panose="020B0400000000000000" pitchFamily="34" charset="-122"/>
+              </a:rPr>
+              <a:t>3</a:t>
+            </a:r>
+            <a:r>
+              <a:rPr kumimoji="1" lang="zh-CN" altLang="en-US" sz="1400" b="1" dirty="0">
+                <a:latin typeface="PingFang SC" panose="020B0400000000000000" pitchFamily="34" charset="-122"/>
+                <a:ea typeface="PingFang SC" panose="020B0400000000000000" pitchFamily="34" charset="-122"/>
+              </a:rPr>
+              <a:t>次解锁</a:t>
+            </a:r>
+          </a:p>
+        </p:txBody>
+      </p:sp>
+      <p:pic>
+        <p:nvPicPr>
+          <p:cNvPr id="39" name="图片 38">
+            <a:extLst>
+              <a:ext uri="{FF2B5EF4-FFF2-40B4-BE49-F238E27FC236}">
+                <a16:creationId xmlns:a16="http://schemas.microsoft.com/office/drawing/2014/main" id="{F1CEE3A9-90F9-ADE4-B64B-431D866EFEA4}"/>
+              </a:ext>
+            </a:extLst>
+          </p:cNvPr>
+          <p:cNvPicPr>
+            <a:picLocks noChangeAspect="1"/>
+          </p:cNvPicPr>
+          <p:nvPr/>
+        </p:nvPicPr>
+        <p:blipFill>
+          <a:blip r:embed="rId10"/>
+          <a:stretch>
+            <a:fillRect/>
+          </a:stretch>
+        </p:blipFill>
+        <p:spPr>
+          <a:xfrm>
+            <a:off x="2777737" y="4187021"/>
+            <a:ext cx="791060" cy="791060"/>
+          </a:xfrm>
+          <a:prstGeom prst="rect">
+            <a:avLst/>
+          </a:prstGeom>
+        </p:spPr>
+      </p:pic>
+      <p:pic>
+        <p:nvPicPr>
+          <p:cNvPr id="40" name="图片 39">
+            <a:extLst>
+              <a:ext uri="{FF2B5EF4-FFF2-40B4-BE49-F238E27FC236}">
+                <a16:creationId xmlns:a16="http://schemas.microsoft.com/office/drawing/2014/main" id="{444F630D-839C-F0F1-9753-B0F145E92F61}"/>
+              </a:ext>
+            </a:extLst>
+          </p:cNvPr>
+          <p:cNvPicPr>
+            <a:picLocks noChangeAspect="1"/>
+          </p:cNvPicPr>
+          <p:nvPr/>
+        </p:nvPicPr>
+        <p:blipFill>
+          <a:blip r:embed="rId11"/>
+          <a:stretch>
+            <a:fillRect/>
+          </a:stretch>
+        </p:blipFill>
+        <p:spPr>
+          <a:xfrm>
+            <a:off x="4377053" y="4003726"/>
+            <a:ext cx="1181450" cy="1181450"/>
+          </a:xfrm>
+          <a:prstGeom prst="rect">
+            <a:avLst/>
+          </a:prstGeom>
+        </p:spPr>
+      </p:pic>
+      <p:sp>
+        <p:nvSpPr>
+          <p:cNvPr id="41" name="圆角矩形 40">
+            <a:extLst>
+              <a:ext uri="{FF2B5EF4-FFF2-40B4-BE49-F238E27FC236}">
+                <a16:creationId xmlns:a16="http://schemas.microsoft.com/office/drawing/2014/main" id="{4CDCF707-3F9E-FD72-FFF7-2A07B6FF4451}"/>
+              </a:ext>
+            </a:extLst>
+          </p:cNvPr>
+          <p:cNvSpPr/>
+          <p:nvPr/>
+        </p:nvSpPr>
+        <p:spPr>
+          <a:xfrm>
+            <a:off x="2358606" y="3910090"/>
+            <a:ext cx="1594951" cy="1643422"/>
+          </a:xfrm>
+          <a:prstGeom prst="roundRect">
+            <a:avLst>
+              <a:gd name="adj" fmla="val 0"/>
+            </a:avLst>
+          </a:prstGeom>
+          <a:solidFill>
+            <a:schemeClr val="bg1">
+              <a:alpha val="38000"/>
+            </a:schemeClr>
+          </a:solidFill>
+          <a:ln>
+            <a:noFill/>
+          </a:ln>
+        </p:spPr>
+        <p:style>
+          <a:lnRef idx="2">
+            <a:schemeClr val="accent1">
+              <a:shade val="15000"/>
+            </a:schemeClr>
+          </a:lnRef>
+          <a:fillRef idx="1">
+            <a:schemeClr val="accent1"/>
+          </a:fillRef>
+          <a:effectRef idx="0">
+            <a:schemeClr val="accent1"/>
+          </a:effectRef>
+          <a:fontRef idx="minor">
+            <a:schemeClr val="lt1"/>
+          </a:fontRef>
+        </p:style>
+        <p:txBody>
+          <a:bodyPr rtlCol="0" anchor="ctr"/>
+          <a:lstStyle/>
+          <a:p>
+            <a:pPr algn="ctr"/>
+            <a:endParaRPr kumimoji="1" lang="zh-CN" altLang="en-US" dirty="0"/>
+          </a:p>
+        </p:txBody>
+      </p:sp>
+      <p:sp>
+        <p:nvSpPr>
+          <p:cNvPr id="42" name="圆角矩形 41">
+            <a:extLst>
+              <a:ext uri="{FF2B5EF4-FFF2-40B4-BE49-F238E27FC236}">
+                <a16:creationId xmlns:a16="http://schemas.microsoft.com/office/drawing/2014/main" id="{3F90C797-B172-FF0E-C51C-CD36818E3AA0}"/>
+              </a:ext>
+            </a:extLst>
+          </p:cNvPr>
+          <p:cNvSpPr/>
+          <p:nvPr/>
+        </p:nvSpPr>
+        <p:spPr>
+          <a:xfrm>
+            <a:off x="4176511" y="3940756"/>
+            <a:ext cx="1594951" cy="1594951"/>
+          </a:xfrm>
+          <a:prstGeom prst="roundRect">
+            <a:avLst>
+              <a:gd name="adj" fmla="val 0"/>
+            </a:avLst>
+          </a:prstGeom>
+          <a:solidFill>
+            <a:schemeClr val="bg1">
+              <a:alpha val="38000"/>
+            </a:schemeClr>
+          </a:solidFill>
+          <a:ln>
+            <a:noFill/>
+          </a:ln>
+        </p:spPr>
+        <p:style>
+          <a:lnRef idx="2">
+            <a:schemeClr val="accent1">
+              <a:shade val="15000"/>
+            </a:schemeClr>
+          </a:lnRef>
+          <a:fillRef idx="1">
+            <a:schemeClr val="accent1"/>
+          </a:fillRef>
+          <a:effectRef idx="0">
+            <a:schemeClr val="accent1"/>
+          </a:effectRef>
+          <a:fontRef idx="minor">
+            <a:schemeClr val="lt1"/>
+          </a:fontRef>
+        </p:style>
+        <p:txBody>
+          <a:bodyPr rtlCol="0" anchor="ctr"/>
+          <a:lstStyle/>
+          <a:p>
+            <a:pPr algn="ctr"/>
+            <a:endParaRPr kumimoji="1" lang="zh-CN" altLang="en-US" dirty="0"/>
+          </a:p>
+        </p:txBody>
+      </p:sp>
+      <p:sp>
+        <p:nvSpPr>
+          <p:cNvPr id="43" name="文本框 42">
+            <a:extLst>
+              <a:ext uri="{FF2B5EF4-FFF2-40B4-BE49-F238E27FC236}">
+                <a16:creationId xmlns:a16="http://schemas.microsoft.com/office/drawing/2014/main" id="{AA6541CD-1953-5818-5F7A-9BAB65FC8FC1}"/>
+              </a:ext>
+            </a:extLst>
+          </p:cNvPr>
+          <p:cNvSpPr txBox="1"/>
+          <p:nvPr/>
+        </p:nvSpPr>
+        <p:spPr>
+          <a:xfrm>
+            <a:off x="3568797" y="3983248"/>
+            <a:ext cx="415498" cy="369332"/>
+          </a:xfrm>
+          <a:prstGeom prst="rect">
+            <a:avLst/>
+          </a:prstGeom>
+          <a:noFill/>
+        </p:spPr>
+        <p:txBody>
+          <a:bodyPr wrap="none" rtlCol="0">
+            <a:spAutoFit/>
+          </a:bodyPr>
+          <a:lstStyle/>
+          <a:p>
+            <a:r>
+              <a:rPr kumimoji="1" lang="en-US" altLang="zh-CN" dirty="0"/>
+              <a:t>🔐</a:t>
+            </a:r>
+            <a:endParaRPr kumimoji="1" lang="zh-CN" altLang="en-US" dirty="0"/>
+          </a:p>
+        </p:txBody>
+      </p:sp>
+      <p:sp>
+        <p:nvSpPr>
+          <p:cNvPr id="44" name="文本框 43">
+            <a:extLst>
+              <a:ext uri="{FF2B5EF4-FFF2-40B4-BE49-F238E27FC236}">
+                <a16:creationId xmlns:a16="http://schemas.microsoft.com/office/drawing/2014/main" id="{17AAB975-6E87-AA28-6A21-199046210CF4}"/>
+              </a:ext>
+            </a:extLst>
+          </p:cNvPr>
+          <p:cNvSpPr txBox="1"/>
+          <p:nvPr/>
+        </p:nvSpPr>
+        <p:spPr>
+          <a:xfrm>
+            <a:off x="5366054" y="3992120"/>
+            <a:ext cx="415498" cy="369332"/>
+          </a:xfrm>
+          <a:prstGeom prst="rect">
+            <a:avLst/>
+          </a:prstGeom>
+          <a:noFill/>
+        </p:spPr>
+        <p:txBody>
+          <a:bodyPr wrap="none" rtlCol="0">
+            <a:spAutoFit/>
+          </a:bodyPr>
+          <a:lstStyle/>
+          <a:p>
+            <a:r>
+              <a:rPr kumimoji="1" lang="en-US" altLang="zh-CN" dirty="0"/>
+              <a:t>🔐</a:t>
+            </a:r>
+            <a:endParaRPr kumimoji="1" lang="zh-CN" altLang="en-US" dirty="0"/>
+          </a:p>
+        </p:txBody>
+      </p:sp>
+    </p:spTree>
+    <p:extLst>
+      <p:ext uri="{BB962C8B-B14F-4D97-AF65-F5344CB8AC3E}">
+        <p14:creationId xmlns:p14="http://schemas.microsoft.com/office/powerpoint/2010/main" val="810591649"/>
+      </p:ext>
+    </p:extLst>
+  </p:cSld>
+  <p:clrMapOvr>
+    <a:masterClrMapping/>
+  </p:clrMapOvr>
+</p:sld>
+</file>
+
 <file path=ppt/theme/theme1.xml><?xml version="1.0" encoding="utf-8"?>
 <a:theme xmlns:a="http://schemas.openxmlformats.org/drawingml/2006/main" name="Office 主题​​">
   <a:themeElements>
@@ -8742,4 +10795,299 @@
     </a:ext>
   </a:extLst>
 </a:theme>
+</file>
+
+<file path=ppt/theme/theme2.xml><?xml version="1.0" encoding="utf-8"?>
+<a:theme xmlns:a="http://schemas.openxmlformats.org/drawingml/2006/main" name="Office 主题​​">
+  <a:themeElements>
+    <a:clrScheme name="Office">
+      <a:dk1>
+        <a:sysClr val="windowText" lastClr="000000"/>
+      </a:dk1>
+      <a:lt1>
+        <a:sysClr val="window" lastClr="FFFFFF"/>
+      </a:lt1>
+      <a:dk2>
+        <a:srgbClr val="44546A"/>
+      </a:dk2>
+      <a:lt2>
+        <a:srgbClr val="E7E6E6"/>
+      </a:lt2>
+      <a:accent1>
+        <a:srgbClr val="4472C4"/>
+      </a:accent1>
+      <a:accent2>
+        <a:srgbClr val="ED7D31"/>
+      </a:accent2>
+      <a:accent3>
+        <a:srgbClr val="A5A5A5"/>
+      </a:accent3>
+      <a:accent4>
+        <a:srgbClr val="FFC000"/>
+      </a:accent4>
+      <a:accent5>
+        <a:srgbClr val="5B9BD5"/>
+      </a:accent5>
+      <a:accent6>
+        <a:srgbClr val="70AD47"/>
+      </a:accent6>
+      <a:hlink>
+        <a:srgbClr val="0563C1"/>
+      </a:hlink>
+      <a:folHlink>
+        <a:srgbClr val="954F72"/>
+      </a:folHlink>
+    </a:clrScheme>
+    <a:fontScheme name="Office">
+      <a:majorFont>
+        <a:latin typeface="等线 Light" panose="020F0302020204030204"/>
+        <a:ea typeface=""/>
+        <a:cs typeface=""/>
+        <a:font script="Jpan" typeface="游ゴシック Light"/>
+        <a:font script="Hang" typeface="맑은 고딕"/>
+        <a:font script="Hans" typeface="等线 Light"/>
+        <a:font script="Hant" typeface="新細明體"/>
+        <a:font script="Arab" typeface="Times New Roman"/>
+        <a:font script="Hebr" typeface="Times New Roman"/>
+        <a:font script="Thai" typeface="Angsana New"/>
+        <a:font script="Ethi" typeface="Nyala"/>
+        <a:font script="Beng" typeface="Vrinda"/>
+        <a:font script="Gujr" typeface="Shruti"/>
+        <a:font script="Khmr" typeface="MoolBoran"/>
+        <a:font script="Knda" typeface="Tunga"/>
+        <a:font script="Guru" typeface="Raavi"/>
+        <a:font script="Cans" typeface="Euphemia"/>
+        <a:font script="Cher" typeface="Plantagenet Cherokee"/>
+        <a:font script="Yiii" typeface="Microsoft Yi Baiti"/>
+        <a:font script="Tibt" typeface="Microsoft Himalaya"/>
+        <a:font script="Thaa" typeface="MV Boli"/>
+        <a:font script="Deva" typeface="Mangal"/>
+        <a:font script="Telu" typeface="Gautami"/>
+        <a:font script="Taml" typeface="Latha"/>
+        <a:font script="Syrc" typeface="Estrangelo Edessa"/>
+        <a:font script="Orya" typeface="Kalinga"/>
+        <a:font script="Mlym" typeface="Kartika"/>
+        <a:font script="Laoo" typeface="DokChampa"/>
+        <a:font script="Sinh" typeface="Iskoola Pota"/>
+        <a:font script="Mong" typeface="Mongolian Baiti"/>
+        <a:font script="Viet" typeface="Times New Roman"/>
+        <a:font script="Uigh" typeface="Microsoft Uighur"/>
+        <a:font script="Geor" typeface="Sylfaen"/>
+        <a:font script="Armn" typeface="Arial"/>
+        <a:font script="Bugi" typeface="Leelawadee UI"/>
+        <a:font script="Bopo" typeface="Microsoft JhengHei"/>
+        <a:font script="Java" typeface="Javanese Text"/>
+        <a:font script="Lisu" typeface="Segoe UI"/>
+        <a:font script="Mymr" typeface="Myanmar Text"/>
+        <a:font script="Nkoo" typeface="Ebrima"/>
+        <a:font script="Olck" typeface="Nirmala UI"/>
+        <a:font script="Osma" typeface="Ebrima"/>
+        <a:font script="Phag" typeface="Phagspa"/>
+        <a:font script="Syrn" typeface="Estrangelo Edessa"/>
+        <a:font script="Syrj" typeface="Estrangelo Edessa"/>
+        <a:font script="Syre" typeface="Estrangelo Edessa"/>
+        <a:font script="Sora" typeface="Nirmala UI"/>
+        <a:font script="Tale" typeface="Microsoft Tai Le"/>
+        <a:font script="Talu" typeface="Microsoft New Tai Lue"/>
+        <a:font script="Tfng" typeface="Ebrima"/>
+      </a:majorFont>
+      <a:minorFont>
+        <a:latin typeface="等线" panose="020F0502020204030204"/>
+        <a:ea typeface=""/>
+        <a:cs typeface=""/>
+        <a:font script="Jpan" typeface="游ゴシック"/>
+        <a:font script="Hang" typeface="맑은 고딕"/>
+        <a:font script="Hans" typeface="等线"/>
+        <a:font script="Hant" typeface="新細明體"/>
+        <a:font script="Arab" typeface="Arial"/>
+        <a:font script="Hebr" typeface="Arial"/>
+        <a:font script="Thai" typeface="Cordia New"/>
+        <a:font script="Ethi" typeface="Nyala"/>
+        <a:font script="Beng" typeface="Vrinda"/>
+        <a:font script="Gujr" typeface="Shruti"/>
+        <a:font script="Khmr" typeface="DaunPenh"/>
+        <a:font script="Knda" typeface="Tunga"/>
+        <a:font script="Guru" typeface="Raavi"/>
+        <a:font script="Cans" typeface="Euphemia"/>
+        <a:font script="Cher" typeface="Plantagenet Cherokee"/>
+        <a:font script="Yiii" typeface="Microsoft Yi Baiti"/>
+        <a:font script="Tibt" typeface="Microsoft Himalaya"/>
+        <a:font script="Thaa" typeface="MV Boli"/>
+        <a:font script="Deva" typeface="Mangal"/>
+        <a:font script="Telu" typeface="Gautami"/>
+        <a:font script="Taml" typeface="Latha"/>
+        <a:font script="Syrc" typeface="Estrangelo Edessa"/>
+        <a:font script="Orya" typeface="Kalinga"/>
+        <a:font script="Mlym" typeface="Kartika"/>
+        <a:font script="Laoo" typeface="DokChampa"/>
+        <a:font script="Sinh" typeface="Iskoola Pota"/>
+        <a:font script="Mong" typeface="Mongolian Baiti"/>
+        <a:font script="Viet" typeface="Arial"/>
+        <a:font script="Uigh" typeface="Microsoft Uighur"/>
+        <a:font script="Geor" typeface="Sylfaen"/>
+        <a:font script="Armn" typeface="Arial"/>
+        <a:font script="Bugi" typeface="Leelawadee UI"/>
+        <a:font script="Bopo" typeface="Microsoft JhengHei"/>
+        <a:font script="Java" typeface="Javanese Text"/>
+        <a:font script="Lisu" typeface="Segoe UI"/>
+        <a:font script="Mymr" typeface="Myanmar Text"/>
+        <a:font script="Nkoo" typeface="Ebrima"/>
+        <a:font script="Olck" typeface="Nirmala UI"/>
+        <a:font script="Osma" typeface="Ebrima"/>
+        <a:font script="Phag" typeface="Phagspa"/>
+        <a:font script="Syrn" typeface="Estrangelo Edessa"/>
+        <a:font script="Syrj" typeface="Estrangelo Edessa"/>
+        <a:font script="Syre" typeface="Estrangelo Edessa"/>
+        <a:font script="Sora" typeface="Nirmala UI"/>
+        <a:font script="Tale" typeface="Microsoft Tai Le"/>
+        <a:font script="Talu" typeface="Microsoft New Tai Lue"/>
+        <a:font script="Tfng" typeface="Ebrima"/>
+      </a:minorFont>
+    </a:fontScheme>
+    <a:fmtScheme name="Office">
+      <a:fillStyleLst>
+        <a:solidFill>
+          <a:schemeClr val="phClr"/>
+        </a:solidFill>
+        <a:gradFill rotWithShape="1">
+          <a:gsLst>
+            <a:gs pos="0">
+              <a:schemeClr val="phClr">
+                <a:lumMod val="110000"/>
+                <a:satMod val="105000"/>
+                <a:tint val="67000"/>
+              </a:schemeClr>
+            </a:gs>
+            <a:gs pos="50000">
+              <a:schemeClr val="phClr">
+                <a:lumMod val="105000"/>
+                <a:satMod val="103000"/>
+                <a:tint val="73000"/>
+              </a:schemeClr>
+            </a:gs>
+            <a:gs pos="100000">
+              <a:schemeClr val="phClr">
+                <a:lumMod val="105000"/>
+                <a:satMod val="109000"/>
+                <a:tint val="81000"/>
+              </a:schemeClr>
+            </a:gs>
+          </a:gsLst>
+          <a:lin ang="5400000" scaled="0"/>
+        </a:gradFill>
+        <a:gradFill rotWithShape="1">
+          <a:gsLst>
+            <a:gs pos="0">
+              <a:schemeClr val="phClr">
+                <a:satMod val="103000"/>
+                <a:lumMod val="102000"/>
+                <a:tint val="94000"/>
+              </a:schemeClr>
+            </a:gs>
+            <a:gs pos="50000">
+              <a:schemeClr val="phClr">
+                <a:satMod val="110000"/>
+                <a:lumMod val="100000"/>
+                <a:shade val="100000"/>
+              </a:schemeClr>
+            </a:gs>
+            <a:gs pos="100000">
+              <a:schemeClr val="phClr">
+                <a:lumMod val="99000"/>
+                <a:satMod val="120000"/>
+                <a:shade val="78000"/>
+              </a:schemeClr>
+            </a:gs>
+          </a:gsLst>
+          <a:lin ang="5400000" scaled="0"/>
+        </a:gradFill>
+      </a:fillStyleLst>
+      <a:lnStyleLst>
+        <a:ln w="6350" cap="flat" cmpd="sng" algn="ctr">
+          <a:solidFill>
+            <a:schemeClr val="phClr"/>
+          </a:solidFill>
+          <a:prstDash val="solid"/>
+          <a:miter lim="800000"/>
+        </a:ln>
+        <a:ln w="12700" cap="flat" cmpd="sng" algn="ctr">
+          <a:solidFill>
+            <a:schemeClr val="phClr"/>
+          </a:solidFill>
+          <a:prstDash val="solid"/>
+          <a:miter lim="800000"/>
+        </a:ln>
+        <a:ln w="19050" cap="flat" cmpd="sng" algn="ctr">
+          <a:solidFill>
+            <a:schemeClr val="phClr"/>
+          </a:solidFill>
+          <a:prstDash val="solid"/>
+          <a:miter lim="800000"/>
+        </a:ln>
+      </a:lnStyleLst>
+      <a:effectStyleLst>
+        <a:effectStyle>
+          <a:effectLst/>
+        </a:effectStyle>
+        <a:effectStyle>
+          <a:effectLst/>
+        </a:effectStyle>
+        <a:effectStyle>
+          <a:effectLst>
+            <a:outerShdw blurRad="57150" dist="19050" dir="5400000" algn="ctr" rotWithShape="0">
+              <a:srgbClr val="000000">
+                <a:alpha val="63000"/>
+              </a:srgbClr>
+            </a:outerShdw>
+          </a:effectLst>
+        </a:effectStyle>
+      </a:effectStyleLst>
+      <a:bgFillStyleLst>
+        <a:solidFill>
+          <a:schemeClr val="phClr"/>
+        </a:solidFill>
+        <a:solidFill>
+          <a:schemeClr val="phClr">
+            <a:tint val="95000"/>
+            <a:satMod val="170000"/>
+          </a:schemeClr>
+        </a:solidFill>
+        <a:gradFill rotWithShape="1">
+          <a:gsLst>
+            <a:gs pos="0">
+              <a:schemeClr val="phClr">
+                <a:tint val="93000"/>
+                <a:satMod val="150000"/>
+                <a:shade val="98000"/>
+                <a:lumMod val="102000"/>
+              </a:schemeClr>
+            </a:gs>
+            <a:gs pos="50000">
+              <a:schemeClr val="phClr">
+                <a:tint val="98000"/>
+                <a:satMod val="130000"/>
+                <a:shade val="90000"/>
+                <a:lumMod val="103000"/>
+              </a:schemeClr>
+            </a:gs>
+            <a:gs pos="100000">
+              <a:schemeClr val="phClr">
+                <a:shade val="63000"/>
+                <a:satMod val="120000"/>
+              </a:schemeClr>
+            </a:gs>
+          </a:gsLst>
+          <a:lin ang="5400000" scaled="0"/>
+        </a:gradFill>
+      </a:bgFillStyleLst>
+    </a:fmtScheme>
+  </a:themeElements>
+  <a:objectDefaults/>
+  <a:extraClrSchemeLst/>
+  <a:extLst>
+    <a:ext uri="{05A4C25C-085E-4340-85A3-A5531E510DB2}">
+      <thm15:themeFamily xmlns:thm15="http://schemas.microsoft.com/office/thememl/2012/main" name="Office Theme" id="{62F939B6-93AF-4DB8-9C6B-D6C7DFDC589F}" vid="{4A3C46E8-61CC-4603-A589-7422A47A8E4A}"/>
+    </a:ext>
+  </a:extLst>
+</a:theme>
 </file>